--- a/Anomaly Detection and Event Alert System for IOT Integrated Management Platform.pptx
+++ b/Anomaly Detection and Event Alert System for IOT Integrated Management Platform.pptx
@@ -262,7 +262,7 @@
           <a:p>
             <a:fld id="{6977A58A-38D4-4745-B1BD-B36B6360EE10}" type="datetimeFigureOut">
               <a:rPr lang="zh-TW" altLang="en-US" smtClean="0"/>
-              <a:t>2017/7/15</a:t>
+              <a:t>2017/7/16</a:t>
             </a:fld>
             <a:endParaRPr lang="zh-TW" altLang="en-US"/>
           </a:p>
@@ -427,7 +427,7 @@
           <a:p>
             <a:fld id="{24BD2BB7-AC21-4A01-8503-F1C775A6F59E}" type="datetimeFigureOut">
               <a:rPr lang="zh-TW" altLang="en-US" smtClean="0"/>
-              <a:t>2017/7/15</a:t>
+              <a:t>2017/7/16</a:t>
             </a:fld>
             <a:endParaRPr lang="zh-TW" altLang="en-US"/>
           </a:p>
@@ -741,15 +741,7 @@
           <a:p>
             <a:r>
               <a:rPr lang="zh-TW" altLang="en-US" dirty="0" smtClean="0"/>
-              <a:t>我</a:t>
-            </a:r>
-            <a:r>
-              <a:rPr lang="zh-TW" altLang="en-US" dirty="0" smtClean="0"/>
-              <a:t>的論文題目</a:t>
-            </a:r>
-            <a:r>
-              <a:rPr lang="zh-TW" altLang="en-US" dirty="0" smtClean="0"/>
-              <a:t>是</a:t>
+              <a:t>我的論文題目是</a:t>
             </a:r>
             <a:endParaRPr lang="en-US" altLang="zh-TW" dirty="0" smtClean="0"/>
           </a:p>
@@ -5455,15 +5447,58 @@
           </a:p>
           <a:p>
             <a:r>
+              <a:rPr lang="zh-TW" altLang="zh-TW" sz="1200" kern="1200" dirty="0" smtClean="0">
+                <a:solidFill>
+                  <a:schemeClr val="tx1"/>
+                </a:solidFill>
+                <a:effectLst/>
+                <a:latin typeface="+mn-lt"/>
+                <a:ea typeface="+mn-ea"/>
+                <a:cs typeface="+mn-cs"/>
+              </a:rPr>
+              <a:t>異常指的是在資料集中還未被清楚定義的資料特徵，也就是和歷史情況比較偏離大部分特徵群集的資料</a:t>
+            </a:r>
+            <a:endParaRPr lang="en-US" altLang="zh-TW" sz="1200" kern="1200" dirty="0" smtClean="0">
+              <a:solidFill>
+                <a:schemeClr val="tx1"/>
+              </a:solidFill>
+              <a:effectLst/>
+              <a:latin typeface="+mn-lt"/>
+              <a:ea typeface="+mn-ea"/>
+              <a:cs typeface="+mn-cs"/>
+            </a:endParaRPr>
+          </a:p>
+          <a:p>
+            <a:r>
+              <a:rPr lang="zh-TW" altLang="zh-TW" sz="1200" kern="1200" dirty="0" smtClean="0">
+                <a:solidFill>
+                  <a:schemeClr val="tx1"/>
+                </a:solidFill>
+                <a:effectLst/>
+                <a:latin typeface="+mn-lt"/>
+                <a:ea typeface="+mn-ea"/>
+                <a:cs typeface="+mn-cs"/>
+              </a:rPr>
+              <a:t>刻意的行為干擾、自然情境的狀態改變或是解釋資料前遇到定義之外的狀況，都可能造成異常或是錯誤的資料產生。</a:t>
+            </a:r>
+            <a:endParaRPr lang="en-US" altLang="zh-TW" sz="1200" kern="1200" dirty="0" smtClean="0">
+              <a:solidFill>
+                <a:schemeClr val="tx1"/>
+              </a:solidFill>
+              <a:effectLst/>
+              <a:latin typeface="+mn-lt"/>
+              <a:ea typeface="+mn-ea"/>
+              <a:cs typeface="+mn-cs"/>
+            </a:endParaRPr>
+          </a:p>
+          <a:p>
+            <a:r>
               <a:rPr lang="zh-TW" altLang="en-US" dirty="0" smtClean="0"/>
-              <a:t>異常就是在資料集中還未被清楚定義的資料特徵</a:t>
-            </a:r>
-            <a:endParaRPr lang="en-US" altLang="zh-TW" dirty="0" smtClean="0"/>
-          </a:p>
-          <a:p>
+              <a:t>不同</a:t>
+            </a:r>
             <a:r>
               <a:rPr lang="zh-TW" altLang="en-US" dirty="0" smtClean="0"/>
-              <a:t>不同的事件都有不同的表現模式，混雜於大多是正常的資料狀態中</a:t>
+              <a:t>的事件都有不同的表現模式，混雜於大多是正常的資料狀態中</a:t>
             </a:r>
             <a:endParaRPr lang="en-US" altLang="zh-TW" dirty="0" smtClean="0"/>
           </a:p>
@@ -5636,7 +5671,7 @@
           <a:p>
             <a:fld id="{576D2C04-C417-422C-B86A-E32301ABF5DE}" type="datetimeFigureOut">
               <a:rPr lang="zh-TW" altLang="en-US" smtClean="0"/>
-              <a:t>2017/7/15</a:t>
+              <a:t>2017/7/16</a:t>
             </a:fld>
             <a:endParaRPr lang="zh-TW" altLang="en-US"/>
           </a:p>
@@ -5806,7 +5841,7 @@
           <a:p>
             <a:fld id="{576D2C04-C417-422C-B86A-E32301ABF5DE}" type="datetimeFigureOut">
               <a:rPr lang="zh-TW" altLang="en-US" smtClean="0"/>
-              <a:t>2017/7/15</a:t>
+              <a:t>2017/7/16</a:t>
             </a:fld>
             <a:endParaRPr lang="zh-TW" altLang="en-US"/>
           </a:p>
@@ -5986,7 +6021,7 @@
           <a:p>
             <a:fld id="{576D2C04-C417-422C-B86A-E32301ABF5DE}" type="datetimeFigureOut">
               <a:rPr lang="zh-TW" altLang="en-US" smtClean="0"/>
-              <a:t>2017/7/15</a:t>
+              <a:t>2017/7/16</a:t>
             </a:fld>
             <a:endParaRPr lang="zh-TW" altLang="en-US"/>
           </a:p>
@@ -6156,7 +6191,7 @@
           <a:p>
             <a:fld id="{576D2C04-C417-422C-B86A-E32301ABF5DE}" type="datetimeFigureOut">
               <a:rPr lang="zh-TW" altLang="en-US" smtClean="0"/>
-              <a:t>2017/7/15</a:t>
+              <a:t>2017/7/16</a:t>
             </a:fld>
             <a:endParaRPr lang="zh-TW" altLang="en-US"/>
           </a:p>
@@ -6402,7 +6437,7 @@
           <a:p>
             <a:fld id="{576D2C04-C417-422C-B86A-E32301ABF5DE}" type="datetimeFigureOut">
               <a:rPr lang="zh-TW" altLang="en-US" smtClean="0"/>
-              <a:t>2017/7/15</a:t>
+              <a:t>2017/7/16</a:t>
             </a:fld>
             <a:endParaRPr lang="zh-TW" altLang="en-US"/>
           </a:p>
@@ -6634,7 +6669,7 @@
           <a:p>
             <a:fld id="{576D2C04-C417-422C-B86A-E32301ABF5DE}" type="datetimeFigureOut">
               <a:rPr lang="zh-TW" altLang="en-US" smtClean="0"/>
-              <a:t>2017/7/15</a:t>
+              <a:t>2017/7/16</a:t>
             </a:fld>
             <a:endParaRPr lang="zh-TW" altLang="en-US"/>
           </a:p>
@@ -7001,7 +7036,7 @@
           <a:p>
             <a:fld id="{576D2C04-C417-422C-B86A-E32301ABF5DE}" type="datetimeFigureOut">
               <a:rPr lang="zh-TW" altLang="en-US" smtClean="0"/>
-              <a:t>2017/7/15</a:t>
+              <a:t>2017/7/16</a:t>
             </a:fld>
             <a:endParaRPr lang="zh-TW" altLang="en-US"/>
           </a:p>
@@ -7119,7 +7154,7 @@
           <a:p>
             <a:fld id="{576D2C04-C417-422C-B86A-E32301ABF5DE}" type="datetimeFigureOut">
               <a:rPr lang="zh-TW" altLang="en-US" smtClean="0"/>
-              <a:t>2017/7/15</a:t>
+              <a:t>2017/7/16</a:t>
             </a:fld>
             <a:endParaRPr lang="zh-TW" altLang="en-US"/>
           </a:p>
@@ -7214,7 +7249,7 @@
           <a:p>
             <a:fld id="{576D2C04-C417-422C-B86A-E32301ABF5DE}" type="datetimeFigureOut">
               <a:rPr lang="zh-TW" altLang="en-US" smtClean="0"/>
-              <a:t>2017/7/15</a:t>
+              <a:t>2017/7/16</a:t>
             </a:fld>
             <a:endParaRPr lang="zh-TW" altLang="en-US"/>
           </a:p>
@@ -7491,7 +7526,7 @@
           <a:p>
             <a:fld id="{576D2C04-C417-422C-B86A-E32301ABF5DE}" type="datetimeFigureOut">
               <a:rPr lang="zh-TW" altLang="en-US" smtClean="0"/>
-              <a:t>2017/7/15</a:t>
+              <a:t>2017/7/16</a:t>
             </a:fld>
             <a:endParaRPr lang="zh-TW" altLang="en-US"/>
           </a:p>
@@ -7744,7 +7779,7 @@
           <a:p>
             <a:fld id="{576D2C04-C417-422C-B86A-E32301ABF5DE}" type="datetimeFigureOut">
               <a:rPr lang="zh-TW" altLang="en-US" smtClean="0"/>
-              <a:t>2017/7/15</a:t>
+              <a:t>2017/7/16</a:t>
             </a:fld>
             <a:endParaRPr lang="zh-TW" altLang="en-US"/>
           </a:p>
@@ -7957,7 +7992,7 @@
           <a:p>
             <a:fld id="{576D2C04-C417-422C-B86A-E32301ABF5DE}" type="datetimeFigureOut">
               <a:rPr lang="zh-TW" altLang="en-US" smtClean="0"/>
-              <a:t>2017/7/15</a:t>
+              <a:t>2017/7/16</a:t>
             </a:fld>
             <a:endParaRPr lang="zh-TW" altLang="en-US"/>
           </a:p>
@@ -29990,14 +30025,7 @@
                 <a:latin typeface="標楷體" panose="03000509000000000000" pitchFamily="65" charset="-120"/>
                 <a:ea typeface="標楷體" panose="03000509000000000000" pitchFamily="65" charset="-120"/>
               </a:rPr>
-              <a:t>偵測反應快速、不會</a:t>
-            </a:r>
-            <a:r>
-              <a:rPr lang="zh-TW" altLang="zh-TW" dirty="0">
-                <a:latin typeface="標楷體" panose="03000509000000000000" pitchFamily="65" charset="-120"/>
-                <a:ea typeface="標楷體" panose="03000509000000000000" pitchFamily="65" charset="-120"/>
-              </a:rPr>
-              <a:t>造成</a:t>
+              <a:t>偵測反應快速、不會造成</a:t>
             </a:r>
             <a:r>
               <a:rPr lang="zh-TW" altLang="zh-TW" dirty="0" smtClean="0">
@@ -31492,14 +31520,7 @@
                 <a:latin typeface="標楷體" panose="03000509000000000000" pitchFamily="65" charset="-120"/>
                 <a:ea typeface="標楷體" panose="03000509000000000000" pitchFamily="65" charset="-120"/>
               </a:rPr>
-              <a:t>判斷與</a:t>
-            </a:r>
-            <a:r>
-              <a:rPr lang="zh-TW" altLang="zh-TW" dirty="0" smtClean="0">
-                <a:latin typeface="標楷體" panose="03000509000000000000" pitchFamily="65" charset="-120"/>
-                <a:ea typeface="標楷體" panose="03000509000000000000" pitchFamily="65" charset="-120"/>
-              </a:rPr>
-              <a:t>歷史</a:t>
+              <a:t>判斷與歷史</a:t>
             </a:r>
             <a:r>
               <a:rPr lang="zh-TW" altLang="en-US" dirty="0" smtClean="0">
@@ -31520,14 +31541,7 @@
                 <a:latin typeface="標楷體" panose="03000509000000000000" pitchFamily="65" charset="-120"/>
                 <a:ea typeface="標楷體" panose="03000509000000000000" pitchFamily="65" charset="-120"/>
               </a:rPr>
-              <a:t>不同</a:t>
-            </a:r>
-            <a:r>
-              <a:rPr lang="zh-TW" altLang="zh-TW" dirty="0" smtClean="0">
-                <a:latin typeface="標楷體" panose="03000509000000000000" pitchFamily="65" charset="-120"/>
-                <a:ea typeface="標楷體" panose="03000509000000000000" pitchFamily="65" charset="-120"/>
-              </a:rPr>
-              <a:t>的</a:t>
+              <a:t>不同的</a:t>
             </a:r>
             <a:r>
               <a:rPr lang="zh-TW" altLang="en-US" dirty="0" smtClean="0">

--- a/Anomaly Detection and Event Alert System for IOT Integrated Management Platform.pptx
+++ b/Anomaly Detection and Event Alert System for IOT Integrated Management Platform.pptx
@@ -262,7 +262,7 @@
           <a:p>
             <a:fld id="{6977A58A-38D4-4745-B1BD-B36B6360EE10}" type="datetimeFigureOut">
               <a:rPr lang="zh-TW" altLang="en-US" smtClean="0"/>
-              <a:t>2017/7/16</a:t>
+              <a:t>2017/7/17</a:t>
             </a:fld>
             <a:endParaRPr lang="zh-TW" altLang="en-US"/>
           </a:p>
@@ -427,7 +427,7 @@
           <a:p>
             <a:fld id="{24BD2BB7-AC21-4A01-8503-F1C775A6F59E}" type="datetimeFigureOut">
               <a:rPr lang="zh-TW" altLang="en-US" smtClean="0"/>
-              <a:t>2017/7/16</a:t>
+              <a:t>2017/7/17</a:t>
             </a:fld>
             <a:endParaRPr lang="zh-TW" altLang="en-US"/>
           </a:p>
@@ -739,21 +739,6 @@
           <a:bodyPr/>
           <a:lstStyle/>
           <a:p>
-            <a:r>
-              <a:rPr lang="zh-TW" altLang="en-US" dirty="0" smtClean="0"/>
-              <a:t>我的論文題目是</a:t>
-            </a:r>
-            <a:endParaRPr lang="en-US" altLang="zh-TW" dirty="0" smtClean="0"/>
-          </a:p>
-          <a:p>
-            <a:r>
-              <a:rPr lang="en-US" altLang="zh-TW" dirty="0" err="1" smtClean="0"/>
-              <a:t>IoT</a:t>
-            </a:r>
-            <a:r>
-              <a:rPr lang="zh-TW" altLang="en-US" dirty="0" smtClean="0"/>
-              <a:t>整合管理平台之異常檢測和事件警報系統</a:t>
-            </a:r>
             <a:endParaRPr lang="zh-TW" altLang="en-US" dirty="0"/>
           </a:p>
         </p:txBody>
@@ -838,31 +823,6 @@
           <a:bodyPr/>
           <a:lstStyle/>
           <a:p>
-            <a:r>
-              <a:rPr lang="zh-TW" altLang="en-US" dirty="0" smtClean="0"/>
-              <a:t>異常可大致分為三種類型，分別為</a:t>
-            </a:r>
-            <a:endParaRPr lang="en-US" altLang="zh-TW" dirty="0" smtClean="0"/>
-          </a:p>
-          <a:p>
-            <a:r>
-              <a:rPr lang="zh-TW" altLang="en-US" dirty="0" smtClean="0"/>
-              <a:t>單點</a:t>
-            </a:r>
-            <a:endParaRPr lang="en-US" altLang="zh-TW" dirty="0" smtClean="0"/>
-          </a:p>
-          <a:p>
-            <a:r>
-              <a:rPr lang="zh-TW" altLang="en-US" dirty="0" smtClean="0"/>
-              <a:t>集體</a:t>
-            </a:r>
-            <a:endParaRPr lang="en-US" altLang="zh-TW" dirty="0" smtClean="0"/>
-          </a:p>
-          <a:p>
-            <a:r>
-              <a:rPr lang="zh-TW" altLang="en-US" dirty="0" smtClean="0"/>
-              <a:t>條件式異常</a:t>
-            </a:r>
             <a:endParaRPr lang="en-US" altLang="zh-TW" dirty="0" smtClean="0"/>
           </a:p>
         </p:txBody>
@@ -947,17 +907,6 @@
           <a:bodyPr/>
           <a:lstStyle/>
           <a:p>
-            <a:r>
-              <a:rPr lang="zh-TW" altLang="en-US" dirty="0" smtClean="0"/>
-              <a:t>從圖中可以看到</a:t>
-            </a:r>
-            <a:endParaRPr lang="en-US" altLang="zh-TW" dirty="0" smtClean="0"/>
-          </a:p>
-          <a:p>
-            <a:r>
-              <a:rPr lang="zh-TW" altLang="en-US" dirty="0" smtClean="0"/>
-              <a:t>單點異常指的是少數幾個資料點偏離群體資料狀態的現象</a:t>
-            </a:r>
             <a:endParaRPr lang="en-US" altLang="zh-TW" dirty="0" smtClean="0"/>
           </a:p>
         </p:txBody>
@@ -1042,17 +991,6 @@
           <a:bodyPr/>
           <a:lstStyle/>
           <a:p>
-            <a:r>
-              <a:rPr lang="zh-TW" altLang="en-US" dirty="0" smtClean="0"/>
-              <a:t>集體異常</a:t>
-            </a:r>
-            <a:endParaRPr lang="en-US" altLang="zh-TW" dirty="0" smtClean="0"/>
-          </a:p>
-          <a:p>
-            <a:r>
-              <a:rPr lang="zh-TW" altLang="en-US" dirty="0" smtClean="0"/>
-              <a:t>表示有一小群資料偏離主要群體，並且小群集中的資料擁有類似的特徵</a:t>
-            </a:r>
             <a:endParaRPr lang="en-US" altLang="zh-TW" dirty="0" smtClean="0"/>
           </a:p>
         </p:txBody>
@@ -1137,45 +1075,6 @@
           <a:bodyPr/>
           <a:lstStyle/>
           <a:p>
-            <a:r>
-              <a:rPr lang="zh-TW" altLang="en-US" dirty="0" smtClean="0"/>
-              <a:t>條件異常這裡已商業區的用電量與時間舉例說明</a:t>
-            </a:r>
-            <a:endParaRPr lang="en-US" altLang="zh-TW" dirty="0" smtClean="0"/>
-          </a:p>
-          <a:p>
-            <a:r>
-              <a:rPr lang="zh-TW" altLang="en-US" dirty="0" smtClean="0"/>
-              <a:t>上班時段的用電量上升是合理的現象</a:t>
-            </a:r>
-            <a:endParaRPr lang="en-US" altLang="zh-TW" dirty="0" smtClean="0"/>
-          </a:p>
-          <a:p>
-            <a:r>
-              <a:rPr lang="zh-TW" altLang="en-US" dirty="0" smtClean="0"/>
-              <a:t>但是同樣的資料行為移至深夜時段就是不正常的事件</a:t>
-            </a:r>
-            <a:endParaRPr lang="en-US" altLang="zh-TW" dirty="0" smtClean="0"/>
-          </a:p>
-          <a:p>
-            <a:r>
-              <a:rPr lang="zh-TW" altLang="en-US" dirty="0" smtClean="0"/>
-              <a:t>這個範例中的條件是時間</a:t>
-            </a:r>
-            <a:endParaRPr lang="en-US" altLang="zh-TW" dirty="0" smtClean="0"/>
-          </a:p>
-          <a:p>
-            <a:r>
-              <a:rPr lang="zh-TW" altLang="en-US" dirty="0" smtClean="0"/>
-              <a:t>某些時間下將事件視為合理情況</a:t>
-            </a:r>
-            <a:endParaRPr lang="en-US" altLang="zh-TW" dirty="0" smtClean="0"/>
-          </a:p>
-          <a:p>
-            <a:r>
-              <a:rPr lang="zh-TW" altLang="en-US" dirty="0" smtClean="0"/>
-              <a:t>但同樣的情況移動到其他時段則會被視為異常</a:t>
-            </a:r>
             <a:endParaRPr lang="en-US" altLang="zh-TW" dirty="0" smtClean="0"/>
           </a:p>
         </p:txBody>
@@ -1260,45 +1159,6 @@
           <a:bodyPr/>
           <a:lstStyle/>
           <a:p>
-            <a:r>
-              <a:rPr lang="zh-TW" altLang="en-US" dirty="0" smtClean="0"/>
-              <a:t>異常偵測的方法有很多</a:t>
-            </a:r>
-            <a:endParaRPr lang="en-US" altLang="zh-TW" dirty="0" smtClean="0"/>
-          </a:p>
-          <a:p>
-            <a:r>
-              <a:rPr lang="zh-TW" altLang="en-US" dirty="0" smtClean="0"/>
-              <a:t>又以判斷的基礎概念可以大致分為四種類型</a:t>
-            </a:r>
-            <a:endParaRPr lang="en-US" altLang="zh-TW" dirty="0" smtClean="0"/>
-          </a:p>
-          <a:p>
-            <a:r>
-              <a:rPr lang="zh-TW" altLang="en-US" dirty="0" smtClean="0"/>
-              <a:t>分類</a:t>
-            </a:r>
-            <a:endParaRPr lang="en-US" altLang="zh-TW" dirty="0" smtClean="0"/>
-          </a:p>
-          <a:p>
-            <a:r>
-              <a:rPr lang="zh-TW" altLang="en-US" dirty="0" smtClean="0"/>
-              <a:t>分群</a:t>
-            </a:r>
-            <a:endParaRPr lang="en-US" altLang="zh-TW" dirty="0" smtClean="0"/>
-          </a:p>
-          <a:p>
-            <a:r>
-              <a:rPr lang="zh-TW" altLang="en-US" dirty="0" smtClean="0"/>
-              <a:t>鄰近點</a:t>
-            </a:r>
-            <a:endParaRPr lang="en-US" altLang="zh-TW" dirty="0" smtClean="0"/>
-          </a:p>
-          <a:p>
-            <a:r>
-              <a:rPr lang="zh-TW" altLang="en-US" dirty="0" smtClean="0"/>
-              <a:t>和統計為基礎的判斷方法</a:t>
-            </a:r>
             <a:endParaRPr lang="en-US" altLang="zh-TW" dirty="0" smtClean="0"/>
           </a:p>
         </p:txBody>
@@ -1383,24 +1243,6 @@
           <a:bodyPr/>
           <a:lstStyle/>
           <a:p>
-            <a:r>
-              <a:rPr lang="zh-TW" altLang="en-US" dirty="0" smtClean="0"/>
-              <a:t>分類為基礎的判斷方法</a:t>
-            </a:r>
-            <a:endParaRPr lang="en-US" altLang="zh-TW" dirty="0" smtClean="0"/>
-          </a:p>
-          <a:p>
-            <a:r>
-              <a:rPr lang="zh-TW" altLang="en-US" dirty="0" smtClean="0"/>
-              <a:t>是利用監督或是半監督的方式學習正常類型的資料特徵</a:t>
-            </a:r>
-            <a:endParaRPr lang="en-US" altLang="zh-TW" dirty="0" smtClean="0"/>
-          </a:p>
-          <a:p>
-            <a:r>
-              <a:rPr lang="zh-TW" altLang="en-US" dirty="0" smtClean="0"/>
-              <a:t>之後再藉由學習到的結果判斷是否滿足異常條件</a:t>
-            </a:r>
             <a:endParaRPr lang="en-US" altLang="zh-TW" dirty="0" smtClean="0"/>
           </a:p>
         </p:txBody>
@@ -1485,31 +1327,6 @@
           <a:bodyPr/>
           <a:lstStyle/>
           <a:p>
-            <a:r>
-              <a:rPr lang="zh-TW" altLang="en-US" dirty="0" smtClean="0"/>
-              <a:t>分群與分類的方法有點相似</a:t>
-            </a:r>
-            <a:endParaRPr lang="en-US" altLang="zh-TW" dirty="0" smtClean="0"/>
-          </a:p>
-          <a:p>
-            <a:r>
-              <a:rPr lang="zh-TW" altLang="en-US" dirty="0" smtClean="0"/>
-              <a:t>都是以資料分布的狀態最為判斷標準</a:t>
-            </a:r>
-            <a:endParaRPr lang="en-US" altLang="zh-TW" dirty="0" smtClean="0"/>
-          </a:p>
-          <a:p>
-            <a:r>
-              <a:rPr lang="zh-TW" altLang="en-US" dirty="0" smtClean="0"/>
-              <a:t>但不同的是分群的方法不須透過人為的介入來訓練判斷條件</a:t>
-            </a:r>
-            <a:endParaRPr lang="en-US" altLang="zh-TW" dirty="0" smtClean="0"/>
-          </a:p>
-          <a:p>
-            <a:r>
-              <a:rPr lang="zh-TW" altLang="en-US" dirty="0" smtClean="0"/>
-              <a:t>而是使用分群演算法找到資料的分布狀態</a:t>
-            </a:r>
             <a:endParaRPr lang="en-US" altLang="zh-TW" dirty="0" smtClean="0"/>
           </a:p>
         </p:txBody>
@@ -1594,47 +1411,6 @@
           <a:bodyPr/>
           <a:lstStyle/>
           <a:p>
-            <a:r>
-              <a:rPr lang="zh-TW" altLang="en-US" dirty="0" smtClean="0"/>
-              <a:t>鄰近點的方法主要判斷資料和鄰近資料之間的距離</a:t>
-            </a:r>
-            <a:endParaRPr lang="en-US" altLang="zh-TW" dirty="0" smtClean="0"/>
-          </a:p>
-          <a:p>
-            <a:r>
-              <a:rPr lang="zh-TW" altLang="en-US" dirty="0" smtClean="0"/>
-              <a:t>如果相距太遠就可能是異常特徵</a:t>
-            </a:r>
-            <a:endParaRPr lang="en-US" altLang="zh-TW" dirty="0" smtClean="0"/>
-          </a:p>
-          <a:p>
-            <a:r>
-              <a:rPr lang="zh-TW" altLang="en-US" dirty="0" smtClean="0"/>
-              <a:t>鄰近點的概念也常搭配其他方法使用</a:t>
-            </a:r>
-            <a:endParaRPr lang="en-US" altLang="zh-TW" dirty="0" smtClean="0"/>
-          </a:p>
-          <a:p>
-            <a:r>
-              <a:rPr lang="zh-TW" altLang="en-US" dirty="0" smtClean="0"/>
-              <a:t>例如本論文使用的</a:t>
-            </a:r>
-            <a:r>
-              <a:rPr lang="en-US" altLang="zh-TW" dirty="0" smtClean="0"/>
-              <a:t>LOF</a:t>
-            </a:r>
-            <a:r>
-              <a:rPr lang="zh-TW" altLang="en-US" dirty="0" smtClean="0"/>
-              <a:t>演算法當中就是以</a:t>
-            </a:r>
-            <a:r>
-              <a:rPr lang="en-US" altLang="zh-TW" dirty="0" smtClean="0"/>
-              <a:t>K Nearest Neighbor</a:t>
-            </a:r>
-            <a:r>
-              <a:rPr lang="zh-TW" altLang="en-US" dirty="0" smtClean="0"/>
-              <a:t>來決定計算密度的區域範圍</a:t>
-            </a:r>
             <a:endParaRPr lang="en-US" altLang="zh-TW" dirty="0" smtClean="0"/>
           </a:p>
         </p:txBody>
@@ -1719,38 +1495,6 @@
           <a:bodyPr/>
           <a:lstStyle/>
           <a:p>
-            <a:r>
-              <a:rPr lang="zh-TW" altLang="en-US" dirty="0" smtClean="0"/>
-              <a:t>統計為基礎的方法設想一般情形下</a:t>
-            </a:r>
-            <a:endParaRPr lang="en-US" altLang="zh-TW" dirty="0" smtClean="0"/>
-          </a:p>
-          <a:p>
-            <a:r>
-              <a:rPr lang="zh-TW" altLang="en-US" dirty="0" smtClean="0"/>
-              <a:t>產生正常資料的機率應該會高於異常的機率</a:t>
-            </a:r>
-            <a:endParaRPr lang="en-US" altLang="zh-TW" dirty="0" smtClean="0"/>
-          </a:p>
-          <a:p>
-            <a:r>
-              <a:rPr lang="zh-TW" altLang="en-US" dirty="0" smtClean="0"/>
-              <a:t>因此藉由學習當下片段資料的特徵</a:t>
-            </a:r>
-            <a:endParaRPr lang="en-US" altLang="zh-TW" dirty="0" smtClean="0"/>
-          </a:p>
-          <a:p>
-            <a:r>
-              <a:rPr lang="zh-TW" altLang="en-US" dirty="0" smtClean="0"/>
-              <a:t>用來預測未來可能的變動趨勢</a:t>
-            </a:r>
-            <a:endParaRPr lang="en-US" altLang="zh-TW" dirty="0" smtClean="0"/>
-          </a:p>
-          <a:p>
-            <a:r>
-              <a:rPr lang="zh-TW" altLang="en-US" dirty="0" smtClean="0"/>
-              <a:t>例如統計學常用的一般常態分佈與標準差</a:t>
-            </a:r>
             <a:endParaRPr lang="en-US" altLang="zh-TW" dirty="0" smtClean="0"/>
           </a:p>
         </p:txBody>
@@ -1919,45 +1663,6 @@
           <a:bodyPr/>
           <a:lstStyle/>
           <a:p>
-            <a:r>
-              <a:rPr lang="zh-TW" altLang="en-US" dirty="0" smtClean="0"/>
-              <a:t>今天的簡報流程分為六個部分</a:t>
-            </a:r>
-            <a:endParaRPr lang="en-US" altLang="zh-TW" dirty="0" smtClean="0"/>
-          </a:p>
-          <a:p>
-            <a:r>
-              <a:rPr lang="zh-TW" altLang="en-US" dirty="0" smtClean="0"/>
-              <a:t>研究動機和目的會簡略敘述我為什麼要做這個研究</a:t>
-            </a:r>
-            <a:endParaRPr lang="en-US" altLang="zh-TW" dirty="0" smtClean="0"/>
-          </a:p>
-          <a:p>
-            <a:r>
-              <a:rPr lang="zh-TW" altLang="en-US" dirty="0" smtClean="0"/>
-              <a:t>相關議題會稍微介紹異常事件的種類和用於偵測異常的方法類型</a:t>
-            </a:r>
-            <a:endParaRPr lang="en-US" altLang="zh-TW" dirty="0" smtClean="0"/>
-          </a:p>
-          <a:p>
-            <a:r>
-              <a:rPr lang="zh-TW" altLang="en-US" dirty="0" smtClean="0"/>
-              <a:t>研究方法的部分說明我們實作於即時資料分析的方法和理論依據</a:t>
-            </a:r>
-            <a:endParaRPr lang="en-US" altLang="zh-TW" dirty="0" smtClean="0"/>
-          </a:p>
-          <a:p>
-            <a:r>
-              <a:rPr lang="zh-TW" altLang="en-US" dirty="0" smtClean="0"/>
-              <a:t>實驗分為兩個步驟分別展示不同資料特徵下，偵測方法產生的結果</a:t>
-            </a:r>
-            <a:endParaRPr lang="en-US" altLang="zh-TW" dirty="0" smtClean="0"/>
-          </a:p>
-          <a:p>
-            <a:r>
-              <a:rPr lang="zh-TW" altLang="en-US" dirty="0" smtClean="0"/>
-              <a:t>最後結論分別描述不同方法的特性</a:t>
-            </a:r>
             <a:endParaRPr lang="en-US" altLang="zh-TW" dirty="0" smtClean="0"/>
           </a:p>
         </p:txBody>
@@ -2042,38 +1747,6 @@
           <a:bodyPr/>
           <a:lstStyle/>
           <a:p>
-            <a:r>
-              <a:rPr lang="zh-TW" altLang="en-US" dirty="0" smtClean="0"/>
-              <a:t>常態分佈的特性是機率統計學廣泛應用的一種分布類型</a:t>
-            </a:r>
-            <a:endParaRPr lang="en-US" altLang="zh-TW" dirty="0" smtClean="0"/>
-          </a:p>
-          <a:p>
-            <a:r>
-              <a:rPr lang="zh-TW" altLang="en-US" dirty="0" smtClean="0"/>
-              <a:t>個科學領域中也能觀察到許多資料特徵符合常態分佈的行為</a:t>
-            </a:r>
-            <a:endParaRPr lang="en-US" altLang="zh-TW" dirty="0" smtClean="0"/>
-          </a:p>
-          <a:p>
-            <a:r>
-              <a:rPr lang="zh-TW" altLang="en-US" dirty="0" smtClean="0"/>
-              <a:t>因此我們也假定感測器監控的環境指標</a:t>
-            </a:r>
-            <a:endParaRPr lang="en-US" altLang="zh-TW" dirty="0" smtClean="0"/>
-          </a:p>
-          <a:p>
-            <a:r>
-              <a:rPr lang="zh-TW" altLang="en-US" dirty="0" smtClean="0"/>
-              <a:t>在不受干擾的情況下</a:t>
-            </a:r>
-            <a:endParaRPr lang="en-US" altLang="zh-TW" dirty="0" smtClean="0"/>
-          </a:p>
-          <a:p>
-            <a:r>
-              <a:rPr lang="zh-TW" altLang="en-US" dirty="0" smtClean="0"/>
-              <a:t>其感測數值的分布機率應該會符合常態分佈的行為模式</a:t>
-            </a:r>
             <a:endParaRPr lang="en-US" altLang="zh-TW" dirty="0" smtClean="0"/>
           </a:p>
         </p:txBody>
@@ -2158,61 +1831,6 @@
           <a:bodyPr/>
           <a:lstStyle/>
           <a:p>
-            <a:r>
-              <a:rPr lang="zh-TW" altLang="en-US" dirty="0" smtClean="0"/>
-              <a:t>一般常態分佈與標準差的關係如圖</a:t>
-            </a:r>
-            <a:endParaRPr lang="en-US" altLang="zh-TW" dirty="0" smtClean="0"/>
-          </a:p>
-          <a:p>
-            <a:r>
-              <a:rPr lang="zh-TW" altLang="en-US" dirty="0" smtClean="0"/>
-              <a:t>百分之</a:t>
-            </a:r>
-            <a:r>
-              <a:rPr lang="en-US" altLang="zh-TW" dirty="0" smtClean="0"/>
-              <a:t>68.2</a:t>
-            </a:r>
-            <a:r>
-              <a:rPr lang="zh-TW" altLang="en-US" dirty="0" smtClean="0"/>
-              <a:t>的數值會落在平均值正負一倍標準差的範圍內</a:t>
-            </a:r>
-            <a:endParaRPr lang="en-US" altLang="zh-TW" dirty="0" smtClean="0"/>
-          </a:p>
-          <a:p>
-            <a:r>
-              <a:rPr lang="zh-TW" altLang="en-US" dirty="0" smtClean="0"/>
-              <a:t>百分之</a:t>
-            </a:r>
-            <a:r>
-              <a:rPr lang="en-US" altLang="zh-TW" dirty="0" smtClean="0"/>
-              <a:t>95.4</a:t>
-            </a:r>
-            <a:r>
-              <a:rPr lang="zh-TW" altLang="en-US" dirty="0" smtClean="0"/>
-              <a:t>的數值會落在平均值正負兩倍標準差的範圍內</a:t>
-            </a:r>
-            <a:endParaRPr lang="en-US" altLang="zh-TW" dirty="0" smtClean="0"/>
-          </a:p>
-          <a:p>
-            <a:r>
-              <a:rPr lang="en-US" altLang="zh-TW" dirty="0" smtClean="0"/>
-              <a:t>99.7</a:t>
-            </a:r>
-            <a:r>
-              <a:rPr lang="zh-TW" altLang="en-US" dirty="0" smtClean="0"/>
-              <a:t>會落在平均值正負三倍標準差的範圍內</a:t>
-            </a:r>
-            <a:endParaRPr lang="en-US" altLang="zh-TW" dirty="0" smtClean="0"/>
-          </a:p>
-          <a:p>
-            <a:endParaRPr lang="en-US" altLang="zh-TW" dirty="0" smtClean="0"/>
-          </a:p>
-          <a:p>
-            <a:r>
-              <a:rPr lang="zh-TW" altLang="en-US" dirty="0" smtClean="0"/>
-              <a:t>因此我們使用三倍標準差作為判斷異常的門檻值</a:t>
-            </a:r>
             <a:endParaRPr lang="en-US" altLang="zh-TW" dirty="0" smtClean="0"/>
           </a:p>
         </p:txBody>
@@ -2297,17 +1915,6 @@
           <a:bodyPr/>
           <a:lstStyle/>
           <a:p>
-            <a:r>
-              <a:rPr lang="en-US" altLang="zh-TW" dirty="0" smtClean="0"/>
-              <a:t>CUSUM</a:t>
-            </a:r>
-            <a:r>
-              <a:rPr lang="zh-TW" altLang="en-US" dirty="0" smtClean="0"/>
-              <a:t>的主要概念是觀察資料的變化趨勢</a:t>
-            </a:r>
-            <a:endParaRPr lang="en-US" altLang="zh-TW" dirty="0" smtClean="0"/>
-          </a:p>
-          <a:p>
             <a:endParaRPr lang="en-US" altLang="zh-TW" dirty="0" smtClean="0"/>
           </a:p>
         </p:txBody>
@@ -3904,24 +3511,6 @@
           <a:bodyPr/>
           <a:lstStyle/>
           <a:p>
-            <a:r>
-              <a:rPr lang="zh-TW" altLang="en-US" dirty="0" smtClean="0"/>
-              <a:t>日本電氣將都市環境分成人、物、資訊和能源四個層面</a:t>
-            </a:r>
-            <a:endParaRPr lang="en-US" altLang="zh-TW" dirty="0" smtClean="0"/>
-          </a:p>
-          <a:p>
-            <a:r>
-              <a:rPr lang="zh-TW" altLang="en-US" dirty="0" smtClean="0"/>
-              <a:t>智慧城市的宗旨是希望藉由觀察物體、資訊、能源之間的聯繫，分析預測城市的變化</a:t>
-            </a:r>
-            <a:endParaRPr lang="en-US" altLang="zh-TW" dirty="0" smtClean="0"/>
-          </a:p>
-          <a:p>
-            <a:r>
-              <a:rPr lang="zh-TW" altLang="en-US" dirty="0" smtClean="0"/>
-              <a:t>最終反映人的需求</a:t>
-            </a:r>
             <a:endParaRPr lang="en-US" altLang="zh-TW" dirty="0" smtClean="0"/>
           </a:p>
         </p:txBody>
@@ -4846,38 +4435,6 @@
           <a:bodyPr/>
           <a:lstStyle/>
           <a:p>
-            <a:r>
-              <a:rPr lang="zh-TW" altLang="en-US" dirty="0" smtClean="0"/>
-              <a:t>台灣政府也有開放資料的平台</a:t>
-            </a:r>
-            <a:endParaRPr lang="en-US" altLang="zh-TW" dirty="0" smtClean="0"/>
-          </a:p>
-          <a:p>
-            <a:r>
-              <a:rPr lang="zh-TW" altLang="en-US" dirty="0" smtClean="0"/>
-              <a:t>但不足的是</a:t>
-            </a:r>
-            <a:endParaRPr lang="en-US" altLang="zh-TW" dirty="0" smtClean="0"/>
-          </a:p>
-          <a:p>
-            <a:r>
-              <a:rPr lang="zh-TW" altLang="en-US" dirty="0" smtClean="0"/>
-              <a:t>平台上分享的訊息大多是原始資料的型態</a:t>
-            </a:r>
-            <a:endParaRPr lang="en-US" altLang="zh-TW" dirty="0" smtClean="0"/>
-          </a:p>
-          <a:p>
-            <a:r>
-              <a:rPr lang="zh-TW" altLang="en-US" dirty="0" smtClean="0"/>
-              <a:t>這些沒有經過整理的資料對一般使用者參考價值較低</a:t>
-            </a:r>
-            <a:endParaRPr lang="en-US" altLang="zh-TW" dirty="0" smtClean="0"/>
-          </a:p>
-          <a:p>
-            <a:r>
-              <a:rPr lang="zh-TW" altLang="en-US" dirty="0" smtClean="0"/>
-              <a:t>此平台中也沒有便利的方式可以代管私人的資料來源</a:t>
-            </a:r>
             <a:endParaRPr lang="en-US" altLang="zh-TW" dirty="0" smtClean="0"/>
           </a:p>
         </p:txBody>
@@ -5130,24 +4687,6 @@
           <a:bodyPr/>
           <a:lstStyle/>
           <a:p>
-            <a:r>
-              <a:rPr lang="zh-TW" altLang="en-US" dirty="0" smtClean="0"/>
-              <a:t>環境狀態改變或事件發生，通常會造成環境監控數值的變化</a:t>
-            </a:r>
-            <a:endParaRPr lang="en-US" altLang="zh-TW" dirty="0" smtClean="0"/>
-          </a:p>
-          <a:p>
-            <a:r>
-              <a:rPr lang="zh-TW" altLang="en-US" dirty="0" smtClean="0"/>
-              <a:t>事件發生後經過的時間越長，及時通知的訊息價值也就越低</a:t>
-            </a:r>
-            <a:endParaRPr lang="en-US" altLang="zh-TW" dirty="0" smtClean="0"/>
-          </a:p>
-          <a:p>
-            <a:r>
-              <a:rPr lang="zh-TW" altLang="en-US" dirty="0" smtClean="0"/>
-              <a:t>因此分析串流資料的演算法必須輕量有效</a:t>
-            </a:r>
             <a:endParaRPr lang="en-US" altLang="zh-TW" dirty="0" smtClean="0"/>
           </a:p>
         </p:txBody>
@@ -5316,45 +4855,6 @@
           <a:bodyPr/>
           <a:lstStyle/>
           <a:p>
-            <a:r>
-              <a:rPr lang="zh-TW" altLang="en-US" dirty="0" smtClean="0"/>
-              <a:t>感測資料最常發生的錯誤是接收過程中訊息交遞可能造成的缺失或冗餘</a:t>
-            </a:r>
-            <a:endParaRPr lang="en-US" altLang="zh-TW" dirty="0" smtClean="0"/>
-          </a:p>
-          <a:p>
-            <a:r>
-              <a:rPr lang="zh-TW" altLang="en-US" dirty="0" smtClean="0"/>
-              <a:t>因此在處理此類感測數值時，一般可分為幾個流程如下</a:t>
-            </a:r>
-            <a:endParaRPr lang="en-US" altLang="zh-TW" dirty="0" smtClean="0"/>
-          </a:p>
-          <a:p>
-            <a:r>
-              <a:rPr lang="zh-TW" altLang="en-US" dirty="0" smtClean="0"/>
-              <a:t>檢查原始數據的完整性</a:t>
-            </a:r>
-            <a:endParaRPr lang="en-US" altLang="zh-TW" dirty="0" smtClean="0"/>
-          </a:p>
-          <a:p>
-            <a:r>
-              <a:rPr lang="zh-TW" altLang="en-US" dirty="0" smtClean="0"/>
-              <a:t>利用分割或是觀察視窗的方式取得資料片段的特徵</a:t>
-            </a:r>
-            <a:endParaRPr lang="en-US" altLang="zh-TW" dirty="0" smtClean="0"/>
-          </a:p>
-          <a:p>
-            <a:r>
-              <a:rPr lang="zh-TW" altLang="en-US" dirty="0" smtClean="0"/>
-              <a:t>特徵結果可用於訓練判斷模組</a:t>
-            </a:r>
-            <a:endParaRPr lang="en-US" altLang="zh-TW" dirty="0" smtClean="0"/>
-          </a:p>
-          <a:p>
-            <a:r>
-              <a:rPr lang="zh-TW" altLang="en-US" dirty="0" smtClean="0"/>
-              <a:t>獲得的判斷條件將可以成為實際應用的參考依據</a:t>
-            </a:r>
             <a:endParaRPr lang="en-US" altLang="zh-TW" dirty="0" smtClean="0"/>
           </a:p>
         </p:txBody>
@@ -5439,67 +4939,6 @@
           <a:bodyPr/>
           <a:lstStyle/>
           <a:p>
-            <a:r>
-              <a:rPr lang="zh-TW" altLang="en-US" dirty="0" smtClean="0"/>
-              <a:t>異常是什麼</a:t>
-            </a:r>
-            <a:endParaRPr lang="en-US" altLang="zh-TW" dirty="0" smtClean="0"/>
-          </a:p>
-          <a:p>
-            <a:r>
-              <a:rPr lang="zh-TW" altLang="zh-TW" sz="1200" kern="1200" dirty="0" smtClean="0">
-                <a:solidFill>
-                  <a:schemeClr val="tx1"/>
-                </a:solidFill>
-                <a:effectLst/>
-                <a:latin typeface="+mn-lt"/>
-                <a:ea typeface="+mn-ea"/>
-                <a:cs typeface="+mn-cs"/>
-              </a:rPr>
-              <a:t>異常指的是在資料集中還未被清楚定義的資料特徵，也就是和歷史情況比較偏離大部分特徵群集的資料</a:t>
-            </a:r>
-            <a:endParaRPr lang="en-US" altLang="zh-TW" sz="1200" kern="1200" dirty="0" smtClean="0">
-              <a:solidFill>
-                <a:schemeClr val="tx1"/>
-              </a:solidFill>
-              <a:effectLst/>
-              <a:latin typeface="+mn-lt"/>
-              <a:ea typeface="+mn-ea"/>
-              <a:cs typeface="+mn-cs"/>
-            </a:endParaRPr>
-          </a:p>
-          <a:p>
-            <a:r>
-              <a:rPr lang="zh-TW" altLang="zh-TW" sz="1200" kern="1200" dirty="0" smtClean="0">
-                <a:solidFill>
-                  <a:schemeClr val="tx1"/>
-                </a:solidFill>
-                <a:effectLst/>
-                <a:latin typeface="+mn-lt"/>
-                <a:ea typeface="+mn-ea"/>
-                <a:cs typeface="+mn-cs"/>
-              </a:rPr>
-              <a:t>刻意的行為干擾、自然情境的狀態改變或是解釋資料前遇到定義之外的狀況，都可能造成異常或是錯誤的資料產生。</a:t>
-            </a:r>
-            <a:endParaRPr lang="en-US" altLang="zh-TW" sz="1200" kern="1200" dirty="0" smtClean="0">
-              <a:solidFill>
-                <a:schemeClr val="tx1"/>
-              </a:solidFill>
-              <a:effectLst/>
-              <a:latin typeface="+mn-lt"/>
-              <a:ea typeface="+mn-ea"/>
-              <a:cs typeface="+mn-cs"/>
-            </a:endParaRPr>
-          </a:p>
-          <a:p>
-            <a:r>
-              <a:rPr lang="zh-TW" altLang="en-US" dirty="0" smtClean="0"/>
-              <a:t>不同</a:t>
-            </a:r>
-            <a:r>
-              <a:rPr lang="zh-TW" altLang="en-US" dirty="0" smtClean="0"/>
-              <a:t>的事件都有不同的表現模式，混雜於大多是正常的資料狀態中</a:t>
-            </a:r>
             <a:endParaRPr lang="en-US" altLang="zh-TW" dirty="0" smtClean="0"/>
           </a:p>
         </p:txBody>
@@ -5671,7 +5110,7 @@
           <a:p>
             <a:fld id="{576D2C04-C417-422C-B86A-E32301ABF5DE}" type="datetimeFigureOut">
               <a:rPr lang="zh-TW" altLang="en-US" smtClean="0"/>
-              <a:t>2017/7/16</a:t>
+              <a:t>2017/7/17</a:t>
             </a:fld>
             <a:endParaRPr lang="zh-TW" altLang="en-US"/>
           </a:p>
@@ -5841,7 +5280,7 @@
           <a:p>
             <a:fld id="{576D2C04-C417-422C-B86A-E32301ABF5DE}" type="datetimeFigureOut">
               <a:rPr lang="zh-TW" altLang="en-US" smtClean="0"/>
-              <a:t>2017/7/16</a:t>
+              <a:t>2017/7/17</a:t>
             </a:fld>
             <a:endParaRPr lang="zh-TW" altLang="en-US"/>
           </a:p>
@@ -6021,7 +5460,7 @@
           <a:p>
             <a:fld id="{576D2C04-C417-422C-B86A-E32301ABF5DE}" type="datetimeFigureOut">
               <a:rPr lang="zh-TW" altLang="en-US" smtClean="0"/>
-              <a:t>2017/7/16</a:t>
+              <a:t>2017/7/17</a:t>
             </a:fld>
             <a:endParaRPr lang="zh-TW" altLang="en-US"/>
           </a:p>
@@ -6191,7 +5630,7 @@
           <a:p>
             <a:fld id="{576D2C04-C417-422C-B86A-E32301ABF5DE}" type="datetimeFigureOut">
               <a:rPr lang="zh-TW" altLang="en-US" smtClean="0"/>
-              <a:t>2017/7/16</a:t>
+              <a:t>2017/7/17</a:t>
             </a:fld>
             <a:endParaRPr lang="zh-TW" altLang="en-US"/>
           </a:p>
@@ -6437,7 +5876,7 @@
           <a:p>
             <a:fld id="{576D2C04-C417-422C-B86A-E32301ABF5DE}" type="datetimeFigureOut">
               <a:rPr lang="zh-TW" altLang="en-US" smtClean="0"/>
-              <a:t>2017/7/16</a:t>
+              <a:t>2017/7/17</a:t>
             </a:fld>
             <a:endParaRPr lang="zh-TW" altLang="en-US"/>
           </a:p>
@@ -6669,7 +6108,7 @@
           <a:p>
             <a:fld id="{576D2C04-C417-422C-B86A-E32301ABF5DE}" type="datetimeFigureOut">
               <a:rPr lang="zh-TW" altLang="en-US" smtClean="0"/>
-              <a:t>2017/7/16</a:t>
+              <a:t>2017/7/17</a:t>
             </a:fld>
             <a:endParaRPr lang="zh-TW" altLang="en-US"/>
           </a:p>
@@ -7036,7 +6475,7 @@
           <a:p>
             <a:fld id="{576D2C04-C417-422C-B86A-E32301ABF5DE}" type="datetimeFigureOut">
               <a:rPr lang="zh-TW" altLang="en-US" smtClean="0"/>
-              <a:t>2017/7/16</a:t>
+              <a:t>2017/7/17</a:t>
             </a:fld>
             <a:endParaRPr lang="zh-TW" altLang="en-US"/>
           </a:p>
@@ -7154,7 +6593,7 @@
           <a:p>
             <a:fld id="{576D2C04-C417-422C-B86A-E32301ABF5DE}" type="datetimeFigureOut">
               <a:rPr lang="zh-TW" altLang="en-US" smtClean="0"/>
-              <a:t>2017/7/16</a:t>
+              <a:t>2017/7/17</a:t>
             </a:fld>
             <a:endParaRPr lang="zh-TW" altLang="en-US"/>
           </a:p>
@@ -7249,7 +6688,7 @@
           <a:p>
             <a:fld id="{576D2C04-C417-422C-B86A-E32301ABF5DE}" type="datetimeFigureOut">
               <a:rPr lang="zh-TW" altLang="en-US" smtClean="0"/>
-              <a:t>2017/7/16</a:t>
+              <a:t>2017/7/17</a:t>
             </a:fld>
             <a:endParaRPr lang="zh-TW" altLang="en-US"/>
           </a:p>
@@ -7526,7 +6965,7 @@
           <a:p>
             <a:fld id="{576D2C04-C417-422C-B86A-E32301ABF5DE}" type="datetimeFigureOut">
               <a:rPr lang="zh-TW" altLang="en-US" smtClean="0"/>
-              <a:t>2017/7/16</a:t>
+              <a:t>2017/7/17</a:t>
             </a:fld>
             <a:endParaRPr lang="zh-TW" altLang="en-US"/>
           </a:p>
@@ -7779,7 +7218,7 @@
           <a:p>
             <a:fld id="{576D2C04-C417-422C-B86A-E32301ABF5DE}" type="datetimeFigureOut">
               <a:rPr lang="zh-TW" altLang="en-US" smtClean="0"/>
-              <a:t>2017/7/16</a:t>
+              <a:t>2017/7/17</a:t>
             </a:fld>
             <a:endParaRPr lang="zh-TW" altLang="en-US"/>
           </a:p>
@@ -7992,7 +7431,7 @@
           <a:p>
             <a:fld id="{576D2C04-C417-422C-B86A-E32301ABF5DE}" type="datetimeFigureOut">
               <a:rPr lang="zh-TW" altLang="en-US" smtClean="0"/>
-              <a:t>2017/7/16</a:t>
+              <a:t>2017/7/17</a:t>
             </a:fld>
             <a:endParaRPr lang="zh-TW" altLang="en-US"/>
           </a:p>
@@ -22936,14 +22375,14 @@
                 <a:latin typeface="標楷體" panose="03000509000000000000" pitchFamily="65" charset="-120"/>
                 <a:ea typeface="標楷體" panose="03000509000000000000" pitchFamily="65" charset="-120"/>
               </a:rPr>
-              <a:t>概念是觀察資料變化的離散</a:t>
+              <a:t>概念是觀察資料變化</a:t>
             </a:r>
             <a:r>
               <a:rPr lang="zh-TW" altLang="zh-TW" dirty="0" smtClean="0">
                 <a:latin typeface="標楷體" panose="03000509000000000000" pitchFamily="65" charset="-120"/>
                 <a:ea typeface="標楷體" panose="03000509000000000000" pitchFamily="65" charset="-120"/>
               </a:rPr>
-              <a:t>趨勢</a:t>
+              <a:t>的趨勢</a:t>
             </a:r>
             <a:endParaRPr lang="en-US" altLang="zh-TW" dirty="0" smtClean="0">
               <a:latin typeface="標楷體" panose="03000509000000000000" pitchFamily="65" charset="-120"/>
@@ -22956,7 +22395,42 @@
                 <a:latin typeface="標楷體" panose="03000509000000000000" pitchFamily="65" charset="-120"/>
                 <a:ea typeface="標楷體" panose="03000509000000000000" pitchFamily="65" charset="-120"/>
               </a:rPr>
-              <a:t>資料的波動大於限制區間便會開始記錄變化幅度的大小，如果趨勢呈現持續增加或減少，變化量會在持續的過程中累加，而累加值到達定量後就會認定資料變化正在偏移原本的狀態</a:t>
+              <a:t>資料的波動大於限制區間便會開始記錄變化幅度的大小，如果趨勢呈現持續增加或減少，變化量會在持續的過程中累加，而累加值到達定量後就會認定資料</a:t>
+            </a:r>
+            <a:r>
+              <a:rPr lang="zh-TW" altLang="zh-TW" dirty="0" smtClean="0">
+                <a:latin typeface="標楷體" panose="03000509000000000000" pitchFamily="65" charset="-120"/>
+                <a:ea typeface="標楷體" panose="03000509000000000000" pitchFamily="65" charset="-120"/>
+              </a:rPr>
+              <a:t>變化</a:t>
+            </a:r>
+            <a:r>
+              <a:rPr lang="zh-TW" altLang="en-US" dirty="0" smtClean="0">
+                <a:latin typeface="標楷體" panose="03000509000000000000" pitchFamily="65" charset="-120"/>
+                <a:ea typeface="標楷體" panose="03000509000000000000" pitchFamily="65" charset="-120"/>
+              </a:rPr>
+              <a:t>已經偏</a:t>
+            </a:r>
+            <a:r>
+              <a:rPr lang="zh-TW" altLang="en-US" dirty="0">
+                <a:latin typeface="標楷體" panose="03000509000000000000" pitchFamily="65" charset="-120"/>
+                <a:ea typeface="標楷體" panose="03000509000000000000" pitchFamily="65" charset="-120"/>
+              </a:rPr>
+              <a:t>離</a:t>
+            </a:r>
+            <a:r>
+              <a:rPr lang="zh-TW" altLang="zh-TW" dirty="0" smtClean="0">
+                <a:latin typeface="標楷體" panose="03000509000000000000" pitchFamily="65" charset="-120"/>
+                <a:ea typeface="標楷體" panose="03000509000000000000" pitchFamily="65" charset="-120"/>
+              </a:rPr>
+              <a:t>原本</a:t>
+            </a:r>
+            <a:r>
+              <a:rPr lang="zh-TW" altLang="zh-TW" dirty="0">
+                <a:latin typeface="標楷體" panose="03000509000000000000" pitchFamily="65" charset="-120"/>
+                <a:ea typeface="標楷體" panose="03000509000000000000" pitchFamily="65" charset="-120"/>
+              </a:rPr>
+              <a:t>的狀態</a:t>
             </a:r>
             <a:r>
               <a:rPr lang="zh-TW" altLang="zh-TW" dirty="0" smtClean="0">
@@ -23004,7 +22478,21 @@
                 <a:latin typeface="標楷體" panose="03000509000000000000" pitchFamily="65" charset="-120"/>
                 <a:ea typeface="標楷體" panose="03000509000000000000" pitchFamily="65" charset="-120"/>
               </a:rPr>
-              <a:t>資料波動可容忍的區間範圍（常使用</a:t>
+              <a:t>可容忍的資料</a:t>
+            </a:r>
+            <a:r>
+              <a:rPr lang="zh-TW" altLang="zh-TW" dirty="0" smtClean="0">
+                <a:latin typeface="標楷體" panose="03000509000000000000" pitchFamily="65" charset="-120"/>
+                <a:ea typeface="標楷體" panose="03000509000000000000" pitchFamily="65" charset="-120"/>
+              </a:rPr>
+              <a:t>波動範圍</a:t>
+            </a:r>
+            <a:r>
+              <a:rPr lang="zh-TW" altLang="zh-TW" dirty="0">
+                <a:latin typeface="標楷體" panose="03000509000000000000" pitchFamily="65" charset="-120"/>
+                <a:ea typeface="標楷體" panose="03000509000000000000" pitchFamily="65" charset="-120"/>
+              </a:rPr>
+              <a:t>（常使用</a:t>
             </a:r>
             <a:r>
               <a:rPr lang="en-US" altLang="zh-TW" dirty="0">

--- a/Anomaly Detection and Event Alert System for IOT Integrated Management Platform.pptx
+++ b/Anomaly Detection and Event Alert System for IOT Integrated Management Platform.pptx
@@ -64,7 +64,7 @@
     <p:sldId id="441" r:id="rId52"/>
   </p:sldIdLst>
   <p:sldSz cx="12192000" cy="6858000"/>
-  <p:notesSz cx="9874250" cy="6797675"/>
+  <p:notesSz cx="10234613" cy="7104063"/>
   <p:defaultTextStyle>
     <a:defPPr>
       <a:defRPr lang="zh-TW"/>
@@ -215,14 +215,14 @@
         <p:spPr>
           <a:xfrm>
             <a:off x="0" y="1"/>
-            <a:ext cx="4278842" cy="341064"/>
+            <a:ext cx="4434999" cy="356437"/>
           </a:xfrm>
           <a:prstGeom prst="rect">
             <a:avLst/>
           </a:prstGeom>
         </p:spPr>
         <p:txBody>
-          <a:bodyPr vert="horz" lIns="91440" tIns="45720" rIns="91440" bIns="45720" rtlCol="0"/>
+          <a:bodyPr vert="horz" lIns="95088" tIns="47544" rIns="95088" bIns="47544" rtlCol="0"/>
           <a:lstStyle>
             <a:lvl1pPr algn="l">
               <a:defRPr sz="1200"/>
@@ -245,15 +245,15 @@
         </p:nvSpPr>
         <p:spPr>
           <a:xfrm>
-            <a:off x="5593123" y="1"/>
-            <a:ext cx="4278842" cy="341064"/>
+            <a:off x="5797245" y="1"/>
+            <a:ext cx="4434999" cy="356437"/>
           </a:xfrm>
           <a:prstGeom prst="rect">
             <a:avLst/>
           </a:prstGeom>
         </p:spPr>
         <p:txBody>
-          <a:bodyPr vert="horz" lIns="91440" tIns="45720" rIns="91440" bIns="45720" rtlCol="0"/>
+          <a:bodyPr vert="horz" lIns="95088" tIns="47544" rIns="95088" bIns="47544" rtlCol="0"/>
           <a:lstStyle>
             <a:lvl1pPr algn="r">
               <a:defRPr sz="1200"/>
@@ -280,15 +280,15 @@
         </p:nvSpPr>
         <p:spPr>
           <a:xfrm>
-            <a:off x="0" y="6456612"/>
-            <a:ext cx="4278842" cy="341063"/>
+            <a:off x="0" y="6747628"/>
+            <a:ext cx="4434999" cy="356436"/>
           </a:xfrm>
           <a:prstGeom prst="rect">
             <a:avLst/>
           </a:prstGeom>
         </p:spPr>
         <p:txBody>
-          <a:bodyPr vert="horz" lIns="91440" tIns="45720" rIns="91440" bIns="45720" rtlCol="0" anchor="b"/>
+          <a:bodyPr vert="horz" lIns="95088" tIns="47544" rIns="95088" bIns="47544" rtlCol="0" anchor="b"/>
           <a:lstStyle>
             <a:lvl1pPr algn="l">
               <a:defRPr sz="1200"/>
@@ -311,15 +311,15 @@
         </p:nvSpPr>
         <p:spPr>
           <a:xfrm>
-            <a:off x="5593123" y="6456612"/>
-            <a:ext cx="4278842" cy="341063"/>
+            <a:off x="5797245" y="6747628"/>
+            <a:ext cx="4434999" cy="356436"/>
           </a:xfrm>
           <a:prstGeom prst="rect">
             <a:avLst/>
           </a:prstGeom>
         </p:spPr>
         <p:txBody>
-          <a:bodyPr vert="horz" lIns="91440" tIns="45720" rIns="91440" bIns="45720" rtlCol="0" anchor="b"/>
+          <a:bodyPr vert="horz" lIns="95088" tIns="47544" rIns="95088" bIns="47544" rtlCol="0" anchor="b"/>
           <a:lstStyle>
             <a:lvl1pPr algn="r">
               <a:defRPr sz="1200"/>
@@ -380,14 +380,14 @@
         <p:spPr>
           <a:xfrm>
             <a:off x="0" y="1"/>
-            <a:ext cx="4278842" cy="341064"/>
+            <a:ext cx="4434999" cy="356437"/>
           </a:xfrm>
           <a:prstGeom prst="rect">
             <a:avLst/>
           </a:prstGeom>
         </p:spPr>
         <p:txBody>
-          <a:bodyPr vert="horz" lIns="91440" tIns="45720" rIns="91440" bIns="45720" rtlCol="0"/>
+          <a:bodyPr vert="horz" lIns="95088" tIns="47544" rIns="95088" bIns="47544" rtlCol="0"/>
           <a:lstStyle>
             <a:lvl1pPr algn="l">
               <a:defRPr sz="1200"/>
@@ -410,15 +410,15 @@
         </p:nvSpPr>
         <p:spPr>
           <a:xfrm>
-            <a:off x="5593123" y="1"/>
-            <a:ext cx="4278842" cy="341064"/>
+            <a:off x="5797245" y="1"/>
+            <a:ext cx="4434999" cy="356437"/>
           </a:xfrm>
           <a:prstGeom prst="rect">
             <a:avLst/>
           </a:prstGeom>
         </p:spPr>
         <p:txBody>
-          <a:bodyPr vert="horz" lIns="91440" tIns="45720" rIns="91440" bIns="45720" rtlCol="0"/>
+          <a:bodyPr vert="horz" lIns="95088" tIns="47544" rIns="95088" bIns="47544" rtlCol="0"/>
           <a:lstStyle>
             <a:lvl1pPr algn="r">
               <a:defRPr sz="1200"/>
@@ -445,8 +445,8 @@
         </p:nvSpPr>
         <p:spPr>
           <a:xfrm>
-            <a:off x="2898775" y="849313"/>
-            <a:ext cx="4078288" cy="2293937"/>
+            <a:off x="2987675" y="887413"/>
+            <a:ext cx="4260850" cy="2397125"/>
           </a:xfrm>
           <a:prstGeom prst="rect">
             <a:avLst/>
@@ -459,7 +459,7 @@
           </a:ln>
         </p:spPr>
         <p:txBody>
-          <a:bodyPr vert="horz" lIns="91440" tIns="45720" rIns="91440" bIns="45720" rtlCol="0" anchor="ctr"/>
+          <a:bodyPr vert="horz" lIns="95088" tIns="47544" rIns="95088" bIns="47544" rtlCol="0" anchor="ctr"/>
           <a:lstStyle/>
           <a:p>
             <a:endParaRPr lang="zh-TW" altLang="en-US"/>
@@ -478,15 +478,15 @@
         </p:nvSpPr>
         <p:spPr>
           <a:xfrm>
-            <a:off x="987425" y="3271381"/>
-            <a:ext cx="7899400" cy="2676585"/>
+            <a:off x="1023462" y="3418831"/>
+            <a:ext cx="8187690" cy="2797225"/>
           </a:xfrm>
           <a:prstGeom prst="rect">
             <a:avLst/>
           </a:prstGeom>
         </p:spPr>
         <p:txBody>
-          <a:bodyPr vert="horz" lIns="91440" tIns="45720" rIns="91440" bIns="45720" rtlCol="0"/>
+          <a:bodyPr vert="horz" lIns="95088" tIns="47544" rIns="95088" bIns="47544" rtlCol="0"/>
           <a:lstStyle/>
           <a:p>
             <a:pPr lvl="0"/>
@@ -538,15 +538,15 @@
         </p:nvSpPr>
         <p:spPr>
           <a:xfrm>
-            <a:off x="0" y="6456612"/>
-            <a:ext cx="4278842" cy="341063"/>
+            <a:off x="0" y="6747628"/>
+            <a:ext cx="4434999" cy="356436"/>
           </a:xfrm>
           <a:prstGeom prst="rect">
             <a:avLst/>
           </a:prstGeom>
         </p:spPr>
         <p:txBody>
-          <a:bodyPr vert="horz" lIns="91440" tIns="45720" rIns="91440" bIns="45720" rtlCol="0" anchor="b"/>
+          <a:bodyPr vert="horz" lIns="95088" tIns="47544" rIns="95088" bIns="47544" rtlCol="0" anchor="b"/>
           <a:lstStyle>
             <a:lvl1pPr algn="l">
               <a:defRPr sz="1200"/>
@@ -569,15 +569,15 @@
         </p:nvSpPr>
         <p:spPr>
           <a:xfrm>
-            <a:off x="5593123" y="6456612"/>
-            <a:ext cx="4278842" cy="341063"/>
+            <a:off x="5797245" y="6747628"/>
+            <a:ext cx="4434999" cy="356436"/>
           </a:xfrm>
           <a:prstGeom prst="rect">
             <a:avLst/>
           </a:prstGeom>
         </p:spPr>
         <p:txBody>
-          <a:bodyPr vert="horz" lIns="91440" tIns="45720" rIns="91440" bIns="45720" rtlCol="0" anchor="b"/>
+          <a:bodyPr vert="horz" lIns="95088" tIns="47544" rIns="95088" bIns="47544" rtlCol="0" anchor="b"/>
           <a:lstStyle>
             <a:lvl1pPr algn="r">
               <a:defRPr sz="1200"/>

--- a/Anomaly Detection and Event Alert System for IOT Integrated Management Platform.pptx
+++ b/Anomaly Detection and Event Alert System for IOT Integrated Management Platform.pptx
@@ -260,7 +260,7 @@
           <a:p>
             <a:fld id="{6977A58A-38D4-4745-B1BD-B36B6360EE10}" type="datetimeFigureOut">
               <a:rPr lang="zh-TW" altLang="en-US" smtClean="0"/>
-              <a:t>2017/7/17</a:t>
+              <a:t>2017/7/18</a:t>
             </a:fld>
             <a:endParaRPr lang="zh-TW" altLang="en-US"/>
           </a:p>
@@ -425,7 +425,7 @@
           <a:p>
             <a:fld id="{24BD2BB7-AC21-4A01-8503-F1C775A6F59E}" type="datetimeFigureOut">
               <a:rPr lang="zh-TW" altLang="en-US" smtClean="0"/>
-              <a:t>2017/7/17</a:t>
+              <a:t>2017/7/18</a:t>
             </a:fld>
             <a:endParaRPr lang="zh-TW" altLang="en-US"/>
           </a:p>
@@ -6378,9 +6378,9 @@
           <a:bodyPr/>
           <a:lstStyle/>
           <a:p>
-            <a:fld id="{576D2C04-C417-422C-B86A-E32301ABF5DE}" type="datetimeFigureOut">
+            <a:fld id="{4153904B-E9F6-4A63-9321-8B53EF9082B8}" type="datetime1">
               <a:rPr lang="zh-TW" altLang="en-US" smtClean="0"/>
-              <a:t>2017/7/17</a:t>
+              <a:t>2017/7/18</a:t>
             </a:fld>
             <a:endParaRPr lang="zh-TW" altLang="en-US"/>
           </a:p>
@@ -6548,9 +6548,9 @@
           <a:bodyPr/>
           <a:lstStyle/>
           <a:p>
-            <a:fld id="{576D2C04-C417-422C-B86A-E32301ABF5DE}" type="datetimeFigureOut">
+            <a:fld id="{485F63C1-D7EF-47C8-A084-13F7B9E4BE01}" type="datetime1">
               <a:rPr lang="zh-TW" altLang="en-US" smtClean="0"/>
-              <a:t>2017/7/17</a:t>
+              <a:t>2017/7/18</a:t>
             </a:fld>
             <a:endParaRPr lang="zh-TW" altLang="en-US"/>
           </a:p>
@@ -6728,9 +6728,9 @@
           <a:bodyPr/>
           <a:lstStyle/>
           <a:p>
-            <a:fld id="{576D2C04-C417-422C-B86A-E32301ABF5DE}" type="datetimeFigureOut">
+            <a:fld id="{7F0FD99B-7AC8-416E-A0C6-BD02CB732637}" type="datetime1">
               <a:rPr lang="zh-TW" altLang="en-US" smtClean="0"/>
-              <a:t>2017/7/17</a:t>
+              <a:t>2017/7/18</a:t>
             </a:fld>
             <a:endParaRPr lang="zh-TW" altLang="en-US"/>
           </a:p>
@@ -6898,9 +6898,9 @@
           <a:bodyPr/>
           <a:lstStyle/>
           <a:p>
-            <a:fld id="{576D2C04-C417-422C-B86A-E32301ABF5DE}" type="datetimeFigureOut">
+            <a:fld id="{B89927CF-A6F7-43B0-90D0-CDEC21A23250}" type="datetime1">
               <a:rPr lang="zh-TW" altLang="en-US" smtClean="0"/>
-              <a:t>2017/7/17</a:t>
+              <a:t>2017/7/18</a:t>
             </a:fld>
             <a:endParaRPr lang="zh-TW" altLang="en-US"/>
           </a:p>
@@ -7144,9 +7144,9 @@
           <a:bodyPr/>
           <a:lstStyle/>
           <a:p>
-            <a:fld id="{576D2C04-C417-422C-B86A-E32301ABF5DE}" type="datetimeFigureOut">
+            <a:fld id="{F8DFD6DD-473C-4721-8B5F-E6B98DD8F841}" type="datetime1">
               <a:rPr lang="zh-TW" altLang="en-US" smtClean="0"/>
-              <a:t>2017/7/17</a:t>
+              <a:t>2017/7/18</a:t>
             </a:fld>
             <a:endParaRPr lang="zh-TW" altLang="en-US"/>
           </a:p>
@@ -7376,9 +7376,9 @@
           <a:bodyPr/>
           <a:lstStyle/>
           <a:p>
-            <a:fld id="{576D2C04-C417-422C-B86A-E32301ABF5DE}" type="datetimeFigureOut">
+            <a:fld id="{DF6461C6-5BEC-4AE5-90A4-B778A3A55AE2}" type="datetime1">
               <a:rPr lang="zh-TW" altLang="en-US" smtClean="0"/>
-              <a:t>2017/7/17</a:t>
+              <a:t>2017/7/18</a:t>
             </a:fld>
             <a:endParaRPr lang="zh-TW" altLang="en-US"/>
           </a:p>
@@ -7743,9 +7743,9 @@
           <a:bodyPr/>
           <a:lstStyle/>
           <a:p>
-            <a:fld id="{576D2C04-C417-422C-B86A-E32301ABF5DE}" type="datetimeFigureOut">
+            <a:fld id="{2FA54954-A9C2-4BCD-ADC6-F33B3A2DD421}" type="datetime1">
               <a:rPr lang="zh-TW" altLang="en-US" smtClean="0"/>
-              <a:t>2017/7/17</a:t>
+              <a:t>2017/7/18</a:t>
             </a:fld>
             <a:endParaRPr lang="zh-TW" altLang="en-US"/>
           </a:p>
@@ -7861,9 +7861,9 @@
           <a:bodyPr/>
           <a:lstStyle/>
           <a:p>
-            <a:fld id="{576D2C04-C417-422C-B86A-E32301ABF5DE}" type="datetimeFigureOut">
+            <a:fld id="{A5D6EE24-E238-4020-B5A1-5E17B4DC8B80}" type="datetime1">
               <a:rPr lang="zh-TW" altLang="en-US" smtClean="0"/>
-              <a:t>2017/7/17</a:t>
+              <a:t>2017/7/18</a:t>
             </a:fld>
             <a:endParaRPr lang="zh-TW" altLang="en-US"/>
           </a:p>
@@ -7956,9 +7956,9 @@
           <a:bodyPr/>
           <a:lstStyle/>
           <a:p>
-            <a:fld id="{576D2C04-C417-422C-B86A-E32301ABF5DE}" type="datetimeFigureOut">
+            <a:fld id="{8C06B0CF-45CC-4969-877E-2464855938BB}" type="datetime1">
               <a:rPr lang="zh-TW" altLang="en-US" smtClean="0"/>
-              <a:t>2017/7/17</a:t>
+              <a:t>2017/7/18</a:t>
             </a:fld>
             <a:endParaRPr lang="zh-TW" altLang="en-US"/>
           </a:p>
@@ -8233,9 +8233,9 @@
           <a:bodyPr/>
           <a:lstStyle/>
           <a:p>
-            <a:fld id="{576D2C04-C417-422C-B86A-E32301ABF5DE}" type="datetimeFigureOut">
+            <a:fld id="{D2750318-5FC8-4C13-9F2A-558D72B9C5CD}" type="datetime1">
               <a:rPr lang="zh-TW" altLang="en-US" smtClean="0"/>
-              <a:t>2017/7/17</a:t>
+              <a:t>2017/7/18</a:t>
             </a:fld>
             <a:endParaRPr lang="zh-TW" altLang="en-US"/>
           </a:p>
@@ -8486,9 +8486,9 @@
           <a:bodyPr/>
           <a:lstStyle/>
           <a:p>
-            <a:fld id="{576D2C04-C417-422C-B86A-E32301ABF5DE}" type="datetimeFigureOut">
+            <a:fld id="{0E758968-8BB2-4DD1-A6CA-2F3ECF82673D}" type="datetime1">
               <a:rPr lang="zh-TW" altLang="en-US" smtClean="0"/>
-              <a:t>2017/7/17</a:t>
+              <a:t>2017/7/18</a:t>
             </a:fld>
             <a:endParaRPr lang="zh-TW" altLang="en-US"/>
           </a:p>
@@ -8699,9 +8699,9 @@
             </a:lvl1pPr>
           </a:lstStyle>
           <a:p>
-            <a:fld id="{576D2C04-C417-422C-B86A-E32301ABF5DE}" type="datetimeFigureOut">
+            <a:fld id="{0FC3F2BA-ED10-4604-83B4-04F9BD8F95E9}" type="datetime1">
               <a:rPr lang="zh-TW" altLang="en-US" smtClean="0"/>
-              <a:t>2017/7/17</a:t>
+              <a:t>2017/7/18</a:t>
             </a:fld>
             <a:endParaRPr lang="zh-TW" altLang="en-US"/>
           </a:p>
@@ -8806,6 +8806,7 @@
     <p:sldLayoutId id="2147483658" r:id="rId10"/>
     <p:sldLayoutId id="2147483659" r:id="rId11"/>
   </p:sldLayoutIdLst>
+  <p:hf hdr="0" ftr="0" dt="0"/>
   <p:txStyles>
     <p:titleStyle>
       <a:lvl1pPr algn="l" defTabSz="914400" rtl="0" eaLnBrk="1" latinLnBrk="0" hangingPunct="1">
@@ -9380,6 +9381,29 @@
           </a:p>
         </p:txBody>
       </p:sp>
+      <p:sp>
+        <p:nvSpPr>
+          <p:cNvPr id="8" name="投影片編號版面配置區 7"/>
+          <p:cNvSpPr>
+            <a:spLocks noGrp="1"/>
+          </p:cNvSpPr>
+          <p:nvPr>
+            <p:ph type="sldNum" sz="quarter" idx="12"/>
+          </p:nvPr>
+        </p:nvSpPr>
+        <p:spPr/>
+        <p:txBody>
+          <a:bodyPr/>
+          <a:lstStyle/>
+          <a:p>
+            <a:fld id="{914C6EE6-3FC0-42F2-A2AA-2F8392A95B97}" type="slidenum">
+              <a:rPr lang="zh-TW" altLang="en-US" smtClean="0"/>
+              <a:t>1</a:t>
+            </a:fld>
+            <a:endParaRPr lang="zh-TW" altLang="en-US" dirty="0"/>
+          </a:p>
+        </p:txBody>
+      </p:sp>
     </p:spTree>
     <p:extLst>
       <p:ext uri="{BB962C8B-B14F-4D97-AF65-F5344CB8AC3E}">
@@ -10026,6 +10050,29 @@
           </a:p>
         </p:txBody>
       </p:sp>
+      <p:sp>
+        <p:nvSpPr>
+          <p:cNvPr id="3" name="投影片編號版面配置區 2"/>
+          <p:cNvSpPr>
+            <a:spLocks noGrp="1"/>
+          </p:cNvSpPr>
+          <p:nvPr>
+            <p:ph type="sldNum" sz="quarter" idx="12"/>
+          </p:nvPr>
+        </p:nvSpPr>
+        <p:spPr/>
+        <p:txBody>
+          <a:bodyPr/>
+          <a:lstStyle/>
+          <a:p>
+            <a:fld id="{914C6EE6-3FC0-42F2-A2AA-2F8392A95B97}" type="slidenum">
+              <a:rPr lang="zh-TW" altLang="en-US" smtClean="0"/>
+              <a:t>10</a:t>
+            </a:fld>
+            <a:endParaRPr lang="zh-TW" altLang="en-US"/>
+          </a:p>
+        </p:txBody>
+      </p:sp>
     </p:spTree>
     <p:extLst>
       <p:ext uri="{BB962C8B-B14F-4D97-AF65-F5344CB8AC3E}">
@@ -10585,6 +10632,29 @@
           </a:p>
         </p:txBody>
       </p:sp>
+      <p:sp>
+        <p:nvSpPr>
+          <p:cNvPr id="3" name="投影片編號版面配置區 2"/>
+          <p:cNvSpPr>
+            <a:spLocks noGrp="1"/>
+          </p:cNvSpPr>
+          <p:nvPr>
+            <p:ph type="sldNum" sz="quarter" idx="12"/>
+          </p:nvPr>
+        </p:nvSpPr>
+        <p:spPr/>
+        <p:txBody>
+          <a:bodyPr/>
+          <a:lstStyle/>
+          <a:p>
+            <a:fld id="{914C6EE6-3FC0-42F2-A2AA-2F8392A95B97}" type="slidenum">
+              <a:rPr lang="zh-TW" altLang="en-US" smtClean="0"/>
+              <a:t>11</a:t>
+            </a:fld>
+            <a:endParaRPr lang="zh-TW" altLang="en-US"/>
+          </a:p>
+        </p:txBody>
+      </p:sp>
     </p:spTree>
     <p:extLst>
       <p:ext uri="{BB962C8B-B14F-4D97-AF65-F5344CB8AC3E}">
@@ -10881,6 +10951,29 @@
           </a:p>
         </p:txBody>
       </p:sp>
+      <p:sp>
+        <p:nvSpPr>
+          <p:cNvPr id="6" name="投影片編號版面配置區 5"/>
+          <p:cNvSpPr>
+            <a:spLocks noGrp="1"/>
+          </p:cNvSpPr>
+          <p:nvPr>
+            <p:ph type="sldNum" sz="quarter" idx="12"/>
+          </p:nvPr>
+        </p:nvSpPr>
+        <p:spPr/>
+        <p:txBody>
+          <a:bodyPr/>
+          <a:lstStyle/>
+          <a:p>
+            <a:fld id="{914C6EE6-3FC0-42F2-A2AA-2F8392A95B97}" type="slidenum">
+              <a:rPr lang="zh-TW" altLang="en-US" smtClean="0"/>
+              <a:t>12</a:t>
+            </a:fld>
+            <a:endParaRPr lang="zh-TW" altLang="en-US"/>
+          </a:p>
+        </p:txBody>
+      </p:sp>
     </p:spTree>
     <p:extLst>
       <p:ext uri="{BB962C8B-B14F-4D97-AF65-F5344CB8AC3E}">
@@ -16205,6 +16298,29 @@
           </a:p>
         </p:txBody>
       </p:sp>
+      <p:sp>
+        <p:nvSpPr>
+          <p:cNvPr id="6" name="投影片編號版面配置區 5"/>
+          <p:cNvSpPr>
+            <a:spLocks noGrp="1"/>
+          </p:cNvSpPr>
+          <p:nvPr>
+            <p:ph type="sldNum" sz="quarter" idx="12"/>
+          </p:nvPr>
+        </p:nvSpPr>
+        <p:spPr/>
+        <p:txBody>
+          <a:bodyPr/>
+          <a:lstStyle/>
+          <a:p>
+            <a:fld id="{914C6EE6-3FC0-42F2-A2AA-2F8392A95B97}" type="slidenum">
+              <a:rPr lang="zh-TW" altLang="en-US" smtClean="0"/>
+              <a:t>13</a:t>
+            </a:fld>
+            <a:endParaRPr lang="zh-TW" altLang="en-US"/>
+          </a:p>
+        </p:txBody>
+      </p:sp>
     </p:spTree>
     <p:extLst>
       <p:ext uri="{BB962C8B-B14F-4D97-AF65-F5344CB8AC3E}">
@@ -21478,6 +21594,29 @@
           </a:p>
         </p:txBody>
       </p:sp>
+      <p:sp>
+        <p:nvSpPr>
+          <p:cNvPr id="125" name="投影片編號版面配置區 124"/>
+          <p:cNvSpPr>
+            <a:spLocks noGrp="1"/>
+          </p:cNvSpPr>
+          <p:nvPr>
+            <p:ph type="sldNum" sz="quarter" idx="12"/>
+          </p:nvPr>
+        </p:nvSpPr>
+        <p:spPr/>
+        <p:txBody>
+          <a:bodyPr/>
+          <a:lstStyle/>
+          <a:p>
+            <a:fld id="{914C6EE6-3FC0-42F2-A2AA-2F8392A95B97}" type="slidenum">
+              <a:rPr lang="zh-TW" altLang="en-US" smtClean="0"/>
+              <a:t>14</a:t>
+            </a:fld>
+            <a:endParaRPr lang="zh-TW" altLang="en-US"/>
+          </a:p>
+        </p:txBody>
+      </p:sp>
     </p:spTree>
     <p:extLst>
       <p:ext uri="{BB962C8B-B14F-4D97-AF65-F5344CB8AC3E}">
@@ -21722,6 +21861,29 @@
           </a:p>
         </p:txBody>
       </p:sp>
+      <p:sp>
+        <p:nvSpPr>
+          <p:cNvPr id="6" name="投影片編號版面配置區 5"/>
+          <p:cNvSpPr>
+            <a:spLocks noGrp="1"/>
+          </p:cNvSpPr>
+          <p:nvPr>
+            <p:ph type="sldNum" sz="quarter" idx="12"/>
+          </p:nvPr>
+        </p:nvSpPr>
+        <p:spPr/>
+        <p:txBody>
+          <a:bodyPr/>
+          <a:lstStyle/>
+          <a:p>
+            <a:fld id="{914C6EE6-3FC0-42F2-A2AA-2F8392A95B97}" type="slidenum">
+              <a:rPr lang="zh-TW" altLang="en-US" smtClean="0"/>
+              <a:t>15</a:t>
+            </a:fld>
+            <a:endParaRPr lang="zh-TW" altLang="en-US"/>
+          </a:p>
+        </p:txBody>
+      </p:sp>
     </p:spTree>
     <p:extLst>
       <p:ext uri="{BB962C8B-B14F-4D97-AF65-F5344CB8AC3E}">
@@ -21936,6 +22098,29 @@
           </a:p>
         </p:txBody>
       </p:sp>
+      <p:sp>
+        <p:nvSpPr>
+          <p:cNvPr id="6" name="投影片編號版面配置區 5"/>
+          <p:cNvSpPr>
+            <a:spLocks noGrp="1"/>
+          </p:cNvSpPr>
+          <p:nvPr>
+            <p:ph type="sldNum" sz="quarter" idx="12"/>
+          </p:nvPr>
+        </p:nvSpPr>
+        <p:spPr/>
+        <p:txBody>
+          <a:bodyPr/>
+          <a:lstStyle/>
+          <a:p>
+            <a:fld id="{914C6EE6-3FC0-42F2-A2AA-2F8392A95B97}" type="slidenum">
+              <a:rPr lang="zh-TW" altLang="en-US" smtClean="0"/>
+              <a:t>16</a:t>
+            </a:fld>
+            <a:endParaRPr lang="zh-TW" altLang="en-US"/>
+          </a:p>
+        </p:txBody>
+      </p:sp>
     </p:spTree>
     <p:extLst>
       <p:ext uri="{BB962C8B-B14F-4D97-AF65-F5344CB8AC3E}">
@@ -22109,6 +22294,29 @@
           </a:p>
         </p:txBody>
       </p:sp>
+      <p:sp>
+        <p:nvSpPr>
+          <p:cNvPr id="3" name="投影片編號版面配置區 2"/>
+          <p:cNvSpPr>
+            <a:spLocks noGrp="1"/>
+          </p:cNvSpPr>
+          <p:nvPr>
+            <p:ph type="sldNum" sz="quarter" idx="12"/>
+          </p:nvPr>
+        </p:nvSpPr>
+        <p:spPr/>
+        <p:txBody>
+          <a:bodyPr/>
+          <a:lstStyle/>
+          <a:p>
+            <a:fld id="{914C6EE6-3FC0-42F2-A2AA-2F8392A95B97}" type="slidenum">
+              <a:rPr lang="zh-TW" altLang="en-US" smtClean="0"/>
+              <a:t>17</a:t>
+            </a:fld>
+            <a:endParaRPr lang="zh-TW" altLang="en-US"/>
+          </a:p>
+        </p:txBody>
+      </p:sp>
     </p:spTree>
     <p:extLst>
       <p:ext uri="{BB962C8B-B14F-4D97-AF65-F5344CB8AC3E}">
@@ -22338,6 +22546,29 @@
           </a:p>
         </p:txBody>
       </p:sp>
+      <p:sp>
+        <p:nvSpPr>
+          <p:cNvPr id="6" name="投影片編號版面配置區 5"/>
+          <p:cNvSpPr>
+            <a:spLocks noGrp="1"/>
+          </p:cNvSpPr>
+          <p:nvPr>
+            <p:ph type="sldNum" sz="quarter" idx="12"/>
+          </p:nvPr>
+        </p:nvSpPr>
+        <p:spPr/>
+        <p:txBody>
+          <a:bodyPr/>
+          <a:lstStyle/>
+          <a:p>
+            <a:fld id="{914C6EE6-3FC0-42F2-A2AA-2F8392A95B97}" type="slidenum">
+              <a:rPr lang="zh-TW" altLang="en-US" smtClean="0"/>
+              <a:t>18</a:t>
+            </a:fld>
+            <a:endParaRPr lang="zh-TW" altLang="en-US"/>
+          </a:p>
+        </p:txBody>
+      </p:sp>
     </p:spTree>
     <p:extLst>
       <p:ext uri="{BB962C8B-B14F-4D97-AF65-F5344CB8AC3E}">
@@ -22527,6 +22758,29 @@
           </a:xfrm>
         </p:spPr>
       </p:pic>
+      <p:sp>
+        <p:nvSpPr>
+          <p:cNvPr id="3" name="投影片編號版面配置區 2"/>
+          <p:cNvSpPr>
+            <a:spLocks noGrp="1"/>
+          </p:cNvSpPr>
+          <p:nvPr>
+            <p:ph type="sldNum" sz="quarter" idx="12"/>
+          </p:nvPr>
+        </p:nvSpPr>
+        <p:spPr/>
+        <p:txBody>
+          <a:bodyPr/>
+          <a:lstStyle/>
+          <a:p>
+            <a:fld id="{914C6EE6-3FC0-42F2-A2AA-2F8392A95B97}" type="slidenum">
+              <a:rPr lang="zh-TW" altLang="en-US" smtClean="0"/>
+              <a:t>19</a:t>
+            </a:fld>
+            <a:endParaRPr lang="zh-TW" altLang="en-US"/>
+          </a:p>
+        </p:txBody>
+      </p:sp>
     </p:spTree>
     <p:extLst>
       <p:ext uri="{BB962C8B-B14F-4D97-AF65-F5344CB8AC3E}">
@@ -22787,6 +23041,29 @@
           </a:p>
         </p:txBody>
       </p:sp>
+      <p:sp>
+        <p:nvSpPr>
+          <p:cNvPr id="6" name="投影片編號版面配置區 5"/>
+          <p:cNvSpPr>
+            <a:spLocks noGrp="1"/>
+          </p:cNvSpPr>
+          <p:nvPr>
+            <p:ph type="sldNum" sz="quarter" idx="12"/>
+          </p:nvPr>
+        </p:nvSpPr>
+        <p:spPr/>
+        <p:txBody>
+          <a:bodyPr/>
+          <a:lstStyle/>
+          <a:p>
+            <a:fld id="{914C6EE6-3FC0-42F2-A2AA-2F8392A95B97}" type="slidenum">
+              <a:rPr lang="zh-TW" altLang="en-US" smtClean="0"/>
+              <a:t>2</a:t>
+            </a:fld>
+            <a:endParaRPr lang="zh-TW" altLang="en-US"/>
+          </a:p>
+        </p:txBody>
+      </p:sp>
     </p:spTree>
     <p:extLst>
       <p:ext uri="{BB962C8B-B14F-4D97-AF65-F5344CB8AC3E}">
@@ -23195,6 +23472,29 @@
               <a:latin typeface="標楷體" panose="03000509000000000000" pitchFamily="65" charset="-120"/>
               <a:ea typeface="標楷體" panose="03000509000000000000" pitchFamily="65" charset="-120"/>
             </a:endParaRPr>
+          </a:p>
+        </p:txBody>
+      </p:sp>
+      <p:sp>
+        <p:nvSpPr>
+          <p:cNvPr id="3" name="投影片編號版面配置區 2"/>
+          <p:cNvSpPr>
+            <a:spLocks noGrp="1"/>
+          </p:cNvSpPr>
+          <p:nvPr>
+            <p:ph type="sldNum" sz="quarter" idx="12"/>
+          </p:nvPr>
+        </p:nvSpPr>
+        <p:spPr/>
+        <p:txBody>
+          <a:bodyPr/>
+          <a:lstStyle/>
+          <a:p>
+            <a:fld id="{914C6EE6-3FC0-42F2-A2AA-2F8392A95B97}" type="slidenum">
+              <a:rPr lang="zh-TW" altLang="en-US" smtClean="0"/>
+              <a:t>20</a:t>
+            </a:fld>
+            <a:endParaRPr lang="zh-TW" altLang="en-US"/>
           </a:p>
         </p:txBody>
       </p:sp>
@@ -24120,6 +24420,29 @@
           </p:sp>
         </mc:Fallback>
       </mc:AlternateContent>
+      <p:sp>
+        <p:nvSpPr>
+          <p:cNvPr id="6" name="投影片編號版面配置區 5"/>
+          <p:cNvSpPr>
+            <a:spLocks noGrp="1"/>
+          </p:cNvSpPr>
+          <p:nvPr>
+            <p:ph type="sldNum" sz="quarter" idx="12"/>
+          </p:nvPr>
+        </p:nvSpPr>
+        <p:spPr/>
+        <p:txBody>
+          <a:bodyPr/>
+          <a:lstStyle/>
+          <a:p>
+            <a:fld id="{914C6EE6-3FC0-42F2-A2AA-2F8392A95B97}" type="slidenum">
+              <a:rPr lang="zh-TW" altLang="en-US" smtClean="0"/>
+              <a:t>21</a:t>
+            </a:fld>
+            <a:endParaRPr lang="zh-TW" altLang="en-US"/>
+          </a:p>
+        </p:txBody>
+      </p:sp>
     </p:spTree>
     <p:extLst>
       <p:ext uri="{BB962C8B-B14F-4D97-AF65-F5344CB8AC3E}">
@@ -24363,6 +24686,29 @@
           </a:prstGeom>
         </p:spPr>
       </p:pic>
+      <p:sp>
+        <p:nvSpPr>
+          <p:cNvPr id="6" name="投影片編號版面配置區 5"/>
+          <p:cNvSpPr>
+            <a:spLocks noGrp="1"/>
+          </p:cNvSpPr>
+          <p:nvPr>
+            <p:ph type="sldNum" sz="quarter" idx="12"/>
+          </p:nvPr>
+        </p:nvSpPr>
+        <p:spPr/>
+        <p:txBody>
+          <a:bodyPr/>
+          <a:lstStyle/>
+          <a:p>
+            <a:fld id="{914C6EE6-3FC0-42F2-A2AA-2F8392A95B97}" type="slidenum">
+              <a:rPr lang="zh-TW" altLang="en-US" smtClean="0"/>
+              <a:t>22</a:t>
+            </a:fld>
+            <a:endParaRPr lang="zh-TW" altLang="en-US"/>
+          </a:p>
+        </p:txBody>
+      </p:sp>
     </p:spTree>
     <p:extLst>
       <p:ext uri="{BB962C8B-B14F-4D97-AF65-F5344CB8AC3E}">
@@ -24622,6 +24968,29 @@
           </a:p>
         </p:txBody>
       </p:sp>
+      <p:sp>
+        <p:nvSpPr>
+          <p:cNvPr id="6" name="投影片編號版面配置區 5"/>
+          <p:cNvSpPr>
+            <a:spLocks noGrp="1"/>
+          </p:cNvSpPr>
+          <p:nvPr>
+            <p:ph type="sldNum" sz="quarter" idx="12"/>
+          </p:nvPr>
+        </p:nvSpPr>
+        <p:spPr/>
+        <p:txBody>
+          <a:bodyPr/>
+          <a:lstStyle/>
+          <a:p>
+            <a:fld id="{914C6EE6-3FC0-42F2-A2AA-2F8392A95B97}" type="slidenum">
+              <a:rPr lang="zh-TW" altLang="en-US" smtClean="0"/>
+              <a:t>23</a:t>
+            </a:fld>
+            <a:endParaRPr lang="zh-TW" altLang="en-US"/>
+          </a:p>
+        </p:txBody>
+      </p:sp>
     </p:spTree>
     <p:extLst>
       <p:ext uri="{BB962C8B-B14F-4D97-AF65-F5344CB8AC3E}">
@@ -24788,6 +25157,29 @@
           </a:p>
         </p:txBody>
       </p:sp>
+      <p:sp>
+        <p:nvSpPr>
+          <p:cNvPr id="3" name="投影片編號版面配置區 2"/>
+          <p:cNvSpPr>
+            <a:spLocks noGrp="1"/>
+          </p:cNvSpPr>
+          <p:nvPr>
+            <p:ph type="sldNum" sz="quarter" idx="12"/>
+          </p:nvPr>
+        </p:nvSpPr>
+        <p:spPr/>
+        <p:txBody>
+          <a:bodyPr/>
+          <a:lstStyle/>
+          <a:p>
+            <a:fld id="{914C6EE6-3FC0-42F2-A2AA-2F8392A95B97}" type="slidenum">
+              <a:rPr lang="zh-TW" altLang="en-US" smtClean="0"/>
+              <a:t>24</a:t>
+            </a:fld>
+            <a:endParaRPr lang="zh-TW" altLang="en-US"/>
+          </a:p>
+        </p:txBody>
+      </p:sp>
     </p:spTree>
     <p:extLst>
       <p:ext uri="{BB962C8B-B14F-4D97-AF65-F5344CB8AC3E}">
@@ -24981,6 +25373,29 @@
           </a:prstGeom>
         </p:spPr>
       </p:pic>
+      <p:sp>
+        <p:nvSpPr>
+          <p:cNvPr id="3" name="投影片編號版面配置區 2"/>
+          <p:cNvSpPr>
+            <a:spLocks noGrp="1"/>
+          </p:cNvSpPr>
+          <p:nvPr>
+            <p:ph type="sldNum" sz="quarter" idx="12"/>
+          </p:nvPr>
+        </p:nvSpPr>
+        <p:spPr/>
+        <p:txBody>
+          <a:bodyPr/>
+          <a:lstStyle/>
+          <a:p>
+            <a:fld id="{914C6EE6-3FC0-42F2-A2AA-2F8392A95B97}" type="slidenum">
+              <a:rPr lang="zh-TW" altLang="en-US" smtClean="0"/>
+              <a:t>25</a:t>
+            </a:fld>
+            <a:endParaRPr lang="zh-TW" altLang="en-US"/>
+          </a:p>
+        </p:txBody>
+      </p:sp>
     </p:spTree>
     <p:extLst>
       <p:ext uri="{BB962C8B-B14F-4D97-AF65-F5344CB8AC3E}">
@@ -25460,6 +25875,29 @@
           </a:p>
         </p:txBody>
       </p:sp>
+      <p:sp>
+        <p:nvSpPr>
+          <p:cNvPr id="6" name="投影片編號版面配置區 5"/>
+          <p:cNvSpPr>
+            <a:spLocks noGrp="1"/>
+          </p:cNvSpPr>
+          <p:nvPr>
+            <p:ph type="sldNum" sz="quarter" idx="12"/>
+          </p:nvPr>
+        </p:nvSpPr>
+        <p:spPr/>
+        <p:txBody>
+          <a:bodyPr/>
+          <a:lstStyle/>
+          <a:p>
+            <a:fld id="{914C6EE6-3FC0-42F2-A2AA-2F8392A95B97}" type="slidenum">
+              <a:rPr lang="zh-TW" altLang="en-US" smtClean="0"/>
+              <a:t>26</a:t>
+            </a:fld>
+            <a:endParaRPr lang="zh-TW" altLang="en-US"/>
+          </a:p>
+        </p:txBody>
+      </p:sp>
     </p:spTree>
     <p:extLst>
       <p:ext uri="{BB962C8B-B14F-4D97-AF65-F5344CB8AC3E}">
@@ -25740,6 +26178,29 @@
           </a:p>
         </p:txBody>
       </p:sp>
+      <p:sp>
+        <p:nvSpPr>
+          <p:cNvPr id="6" name="投影片編號版面配置區 5"/>
+          <p:cNvSpPr>
+            <a:spLocks noGrp="1"/>
+          </p:cNvSpPr>
+          <p:nvPr>
+            <p:ph type="sldNum" sz="quarter" idx="12"/>
+          </p:nvPr>
+        </p:nvSpPr>
+        <p:spPr/>
+        <p:txBody>
+          <a:bodyPr/>
+          <a:lstStyle/>
+          <a:p>
+            <a:fld id="{914C6EE6-3FC0-42F2-A2AA-2F8392A95B97}" type="slidenum">
+              <a:rPr lang="zh-TW" altLang="en-US" smtClean="0"/>
+              <a:t>27</a:t>
+            </a:fld>
+            <a:endParaRPr lang="zh-TW" altLang="en-US"/>
+          </a:p>
+        </p:txBody>
+      </p:sp>
     </p:spTree>
     <p:extLst>
       <p:ext uri="{BB962C8B-B14F-4D97-AF65-F5344CB8AC3E}">
@@ -25957,6 +26418,29 @@
           </a:prstGeom>
         </p:spPr>
       </p:pic>
+      <p:sp>
+        <p:nvSpPr>
+          <p:cNvPr id="2" name="投影片編號版面配置區 1"/>
+          <p:cNvSpPr>
+            <a:spLocks noGrp="1"/>
+          </p:cNvSpPr>
+          <p:nvPr>
+            <p:ph type="sldNum" sz="quarter" idx="12"/>
+          </p:nvPr>
+        </p:nvSpPr>
+        <p:spPr/>
+        <p:txBody>
+          <a:bodyPr/>
+          <a:lstStyle/>
+          <a:p>
+            <a:fld id="{914C6EE6-3FC0-42F2-A2AA-2F8392A95B97}" type="slidenum">
+              <a:rPr lang="zh-TW" altLang="en-US" smtClean="0"/>
+              <a:t>28</a:t>
+            </a:fld>
+            <a:endParaRPr lang="zh-TW" altLang="en-US"/>
+          </a:p>
+        </p:txBody>
+      </p:sp>
     </p:spTree>
     <p:extLst>
       <p:ext uri="{BB962C8B-B14F-4D97-AF65-F5344CB8AC3E}">
@@ -26198,16 +26682,60 @@
           <a:p>
             <a:pPr algn="ctr"/>
             <a:r>
+              <a:rPr lang="zh-TW" altLang="en-US" sz="3200" dirty="0" smtClean="0">
+                <a:latin typeface="標楷體" panose="03000509000000000000" pitchFamily="65" charset="-120"/>
+                <a:ea typeface="標楷體" panose="03000509000000000000" pitchFamily="65" charset="-120"/>
+              </a:rPr>
+              <a:t>實驗</a:t>
+            </a:r>
+            <a:r>
+              <a:rPr lang="en-US" altLang="zh-TW" sz="3200" dirty="0" smtClean="0">
+                <a:latin typeface="標楷體" panose="03000509000000000000" pitchFamily="65" charset="-120"/>
+                <a:ea typeface="標楷體" panose="03000509000000000000" pitchFamily="65" charset="-120"/>
+              </a:rPr>
+              <a:t>(1)–</a:t>
+            </a:r>
+            <a:r>
+              <a:rPr lang="zh-TW" altLang="en-US" sz="3200" dirty="0" smtClean="0">
+                <a:latin typeface="標楷體" panose="03000509000000000000" pitchFamily="65" charset="-120"/>
+                <a:ea typeface="標楷體" panose="03000509000000000000" pitchFamily="65" charset="-120"/>
+              </a:rPr>
+              <a:t>一般</a:t>
+            </a:r>
+            <a:r>
               <a:rPr lang="zh-TW" altLang="en-US" sz="3200" dirty="0">
                 <a:latin typeface="標楷體" panose="03000509000000000000" pitchFamily="65" charset="-120"/>
                 <a:ea typeface="標楷體" panose="03000509000000000000" pitchFamily="65" charset="-120"/>
               </a:rPr>
-              <a:t>一般常態分佈</a:t>
+              <a:t>常態分佈</a:t>
             </a:r>
             <a:endParaRPr lang="en-US" altLang="zh-TW" sz="3200" dirty="0">
               <a:latin typeface="標楷體" panose="03000509000000000000" pitchFamily="65" charset="-120"/>
               <a:ea typeface="標楷體" panose="03000509000000000000" pitchFamily="65" charset="-120"/>
             </a:endParaRPr>
+          </a:p>
+        </p:txBody>
+      </p:sp>
+      <p:sp>
+        <p:nvSpPr>
+          <p:cNvPr id="2" name="投影片編號版面配置區 1"/>
+          <p:cNvSpPr>
+            <a:spLocks noGrp="1"/>
+          </p:cNvSpPr>
+          <p:nvPr>
+            <p:ph type="sldNum" sz="quarter" idx="12"/>
+          </p:nvPr>
+        </p:nvSpPr>
+        <p:spPr/>
+        <p:txBody>
+          <a:bodyPr/>
+          <a:lstStyle/>
+          <a:p>
+            <a:fld id="{914C6EE6-3FC0-42F2-A2AA-2F8392A95B97}" type="slidenum">
+              <a:rPr lang="zh-TW" altLang="en-US" smtClean="0"/>
+              <a:t>29</a:t>
+            </a:fld>
+            <a:endParaRPr lang="zh-TW" altLang="en-US"/>
           </a:p>
         </p:txBody>
       </p:sp>
@@ -26377,6 +26905,29 @@
           </a:p>
         </p:txBody>
       </p:sp>
+      <p:sp>
+        <p:nvSpPr>
+          <p:cNvPr id="3" name="投影片編號版面配置區 2"/>
+          <p:cNvSpPr>
+            <a:spLocks noGrp="1"/>
+          </p:cNvSpPr>
+          <p:nvPr>
+            <p:ph type="sldNum" sz="quarter" idx="12"/>
+          </p:nvPr>
+        </p:nvSpPr>
+        <p:spPr/>
+        <p:txBody>
+          <a:bodyPr/>
+          <a:lstStyle/>
+          <a:p>
+            <a:fld id="{914C6EE6-3FC0-42F2-A2AA-2F8392A95B97}" type="slidenum">
+              <a:rPr lang="zh-TW" altLang="en-US" smtClean="0"/>
+              <a:t>3</a:t>
+            </a:fld>
+            <a:endParaRPr lang="zh-TW" altLang="en-US"/>
+          </a:p>
+        </p:txBody>
+      </p:sp>
     </p:spTree>
     <p:extLst>
       <p:ext uri="{BB962C8B-B14F-4D97-AF65-F5344CB8AC3E}">
@@ -26600,7 +27151,28 @@
                 <a:latin typeface="標楷體" panose="03000509000000000000" pitchFamily="65" charset="-120"/>
                 <a:ea typeface="標楷體" panose="03000509000000000000" pitchFamily="65" charset="-120"/>
               </a:rPr>
-              <a:t>資料片段平均值與常態分佈</a:t>
+              <a:t>實驗</a:t>
+            </a:r>
+            <a:r>
+              <a:rPr lang="en-US" altLang="zh-TW" sz="3200" dirty="0" smtClean="0">
+                <a:latin typeface="標楷體" panose="03000509000000000000" pitchFamily="65" charset="-120"/>
+                <a:ea typeface="標楷體" panose="03000509000000000000" pitchFamily="65" charset="-120"/>
+              </a:rPr>
+              <a:t>(2)–</a:t>
+            </a:r>
+            <a:r>
+              <a:rPr lang="zh-TW" altLang="en-US" sz="3200" dirty="0" smtClean="0">
+                <a:latin typeface="標楷體" panose="03000509000000000000" pitchFamily="65" charset="-120"/>
+                <a:ea typeface="標楷體" panose="03000509000000000000" pitchFamily="65" charset="-120"/>
+              </a:rPr>
+              <a:t>資料</a:t>
+            </a:r>
+            <a:r>
+              <a:rPr lang="zh-TW" altLang="en-US" sz="3200" dirty="0">
+                <a:latin typeface="標楷體" panose="03000509000000000000" pitchFamily="65" charset="-120"/>
+                <a:ea typeface="標楷體" panose="03000509000000000000" pitchFamily="65" charset="-120"/>
+              </a:rPr>
+              <a:t>片段平均值與常態分佈</a:t>
             </a:r>
           </a:p>
         </p:txBody>
@@ -26629,6 +27201,29 @@
           </a:prstGeom>
         </p:spPr>
       </p:pic>
+      <p:sp>
+        <p:nvSpPr>
+          <p:cNvPr id="2" name="投影片編號版面配置區 1"/>
+          <p:cNvSpPr>
+            <a:spLocks noGrp="1"/>
+          </p:cNvSpPr>
+          <p:nvPr>
+            <p:ph type="sldNum" sz="quarter" idx="12"/>
+          </p:nvPr>
+        </p:nvSpPr>
+        <p:spPr/>
+        <p:txBody>
+          <a:bodyPr/>
+          <a:lstStyle/>
+          <a:p>
+            <a:fld id="{914C6EE6-3FC0-42F2-A2AA-2F8392A95B97}" type="slidenum">
+              <a:rPr lang="zh-TW" altLang="en-US" smtClean="0"/>
+              <a:t>30</a:t>
+            </a:fld>
+            <a:endParaRPr lang="zh-TW" altLang="en-US"/>
+          </a:p>
+        </p:txBody>
+      </p:sp>
     </p:spTree>
     <p:extLst>
       <p:ext uri="{BB962C8B-B14F-4D97-AF65-F5344CB8AC3E}">
@@ -26782,6 +27377,20 @@
           <a:p>
             <a:pPr algn="ctr"/>
             <a:r>
+              <a:rPr lang="zh-TW" altLang="en-US" sz="3200" dirty="0">
+                <a:latin typeface="標楷體" panose="03000509000000000000" pitchFamily="65" charset="-120"/>
+                <a:ea typeface="標楷體" panose="03000509000000000000" pitchFamily="65" charset="-120"/>
+              </a:rPr>
+              <a:t>實驗</a:t>
+            </a:r>
+            <a:r>
+              <a:rPr lang="en-US" altLang="zh-TW" sz="3200" dirty="0" smtClean="0">
+                <a:latin typeface="標楷體" panose="03000509000000000000" pitchFamily="65" charset="-120"/>
+                <a:ea typeface="標楷體" panose="03000509000000000000" pitchFamily="65" charset="-120"/>
+              </a:rPr>
+              <a:t>(3)– </a:t>
+            </a:r>
+            <a:r>
               <a:rPr lang="en-US" altLang="zh-TW" sz="3200" dirty="0" smtClean="0">
                 <a:ea typeface="標楷體" panose="03000509000000000000" pitchFamily="65" charset="-120"/>
               </a:rPr>
@@ -26881,6 +27490,29 @@
           </a:prstGeom>
         </p:spPr>
       </p:pic>
+      <p:sp>
+        <p:nvSpPr>
+          <p:cNvPr id="2" name="投影片編號版面配置區 1"/>
+          <p:cNvSpPr>
+            <a:spLocks noGrp="1"/>
+          </p:cNvSpPr>
+          <p:nvPr>
+            <p:ph type="sldNum" sz="quarter" idx="12"/>
+          </p:nvPr>
+        </p:nvSpPr>
+        <p:spPr/>
+        <p:txBody>
+          <a:bodyPr/>
+          <a:lstStyle/>
+          <a:p>
+            <a:fld id="{914C6EE6-3FC0-42F2-A2AA-2F8392A95B97}" type="slidenum">
+              <a:rPr lang="zh-TW" altLang="en-US" smtClean="0"/>
+              <a:t>31</a:t>
+            </a:fld>
+            <a:endParaRPr lang="zh-TW" altLang="en-US"/>
+          </a:p>
+        </p:txBody>
+      </p:sp>
     </p:spTree>
     <p:extLst>
       <p:ext uri="{BB962C8B-B14F-4D97-AF65-F5344CB8AC3E}">
@@ -27035,9 +27667,29 @@
             <a:pPr algn="ctr"/>
             <a:r>
               <a:rPr lang="zh-TW" altLang="en-US" sz="3200" dirty="0">
+                <a:latin typeface="標楷體" panose="03000509000000000000" pitchFamily="65" charset="-120"/>
                 <a:ea typeface="標楷體" panose="03000509000000000000" pitchFamily="65" charset="-120"/>
               </a:rPr>
-              <a:t>資料片段數值與</a:t>
+              <a:t>實驗</a:t>
+            </a:r>
+            <a:r>
+              <a:rPr lang="en-US" altLang="zh-TW" sz="3200" dirty="0" smtClean="0">
+                <a:latin typeface="標楷體" panose="03000509000000000000" pitchFamily="65" charset="-120"/>
+                <a:ea typeface="標楷體" panose="03000509000000000000" pitchFamily="65" charset="-120"/>
+              </a:rPr>
+              <a:t>(4)–</a:t>
+            </a:r>
+            <a:r>
+              <a:rPr lang="zh-TW" altLang="en-US" sz="3200" dirty="0" smtClean="0">
+                <a:ea typeface="標楷體" panose="03000509000000000000" pitchFamily="65" charset="-120"/>
+              </a:rPr>
+              <a:t>資料</a:t>
+            </a:r>
+            <a:r>
+              <a:rPr lang="zh-TW" altLang="en-US" sz="3200" dirty="0">
+                <a:ea typeface="標楷體" panose="03000509000000000000" pitchFamily="65" charset="-120"/>
+              </a:rPr>
+              <a:t>片段數值與</a:t>
             </a:r>
             <a:r>
               <a:rPr lang="en-US" altLang="zh-TW" sz="3200" dirty="0">
@@ -27136,6 +27788,29 @@
           </a:prstGeom>
         </p:spPr>
       </p:pic>
+      <p:sp>
+        <p:nvSpPr>
+          <p:cNvPr id="2" name="投影片編號版面配置區 1"/>
+          <p:cNvSpPr>
+            <a:spLocks noGrp="1"/>
+          </p:cNvSpPr>
+          <p:nvPr>
+            <p:ph type="sldNum" sz="quarter" idx="12"/>
+          </p:nvPr>
+        </p:nvSpPr>
+        <p:spPr/>
+        <p:txBody>
+          <a:bodyPr/>
+          <a:lstStyle/>
+          <a:p>
+            <a:fld id="{914C6EE6-3FC0-42F2-A2AA-2F8392A95B97}" type="slidenum">
+              <a:rPr lang="zh-TW" altLang="en-US" smtClean="0"/>
+              <a:t>32</a:t>
+            </a:fld>
+            <a:endParaRPr lang="zh-TW" altLang="en-US"/>
+          </a:p>
+        </p:txBody>
+      </p:sp>
     </p:spTree>
     <p:extLst>
       <p:ext uri="{BB962C8B-B14F-4D97-AF65-F5344CB8AC3E}">
@@ -27290,9 +27965,29 @@
             <a:pPr algn="ctr"/>
             <a:r>
               <a:rPr lang="zh-TW" altLang="en-US" sz="3200" dirty="0">
+                <a:latin typeface="標楷體" panose="03000509000000000000" pitchFamily="65" charset="-120"/>
                 <a:ea typeface="標楷體" panose="03000509000000000000" pitchFamily="65" charset="-120"/>
               </a:rPr>
-              <a:t>資料片段平均值、標準差與</a:t>
+              <a:t>實驗</a:t>
+            </a:r>
+            <a:r>
+              <a:rPr lang="en-US" altLang="zh-TW" sz="3200" dirty="0" smtClean="0">
+                <a:latin typeface="標楷體" panose="03000509000000000000" pitchFamily="65" charset="-120"/>
+                <a:ea typeface="標楷體" panose="03000509000000000000" pitchFamily="65" charset="-120"/>
+              </a:rPr>
+              <a:t>(5)–</a:t>
+            </a:r>
+            <a:r>
+              <a:rPr lang="zh-TW" altLang="en-US" sz="3200" dirty="0" smtClean="0">
+                <a:ea typeface="標楷體" panose="03000509000000000000" pitchFamily="65" charset="-120"/>
+              </a:rPr>
+              <a:t>資料</a:t>
+            </a:r>
+            <a:r>
+              <a:rPr lang="zh-TW" altLang="en-US" sz="3200" dirty="0">
+                <a:ea typeface="標楷體" panose="03000509000000000000" pitchFamily="65" charset="-120"/>
+              </a:rPr>
+              <a:t>片段平均值、標準差與</a:t>
             </a:r>
             <a:r>
               <a:rPr lang="en-US" altLang="zh-TW" sz="3200" dirty="0">
@@ -27391,6 +28086,29 @@
           </a:prstGeom>
         </p:spPr>
       </p:pic>
+      <p:sp>
+        <p:nvSpPr>
+          <p:cNvPr id="2" name="投影片編號版面配置區 1"/>
+          <p:cNvSpPr>
+            <a:spLocks noGrp="1"/>
+          </p:cNvSpPr>
+          <p:nvPr>
+            <p:ph type="sldNum" sz="quarter" idx="12"/>
+          </p:nvPr>
+        </p:nvSpPr>
+        <p:spPr/>
+        <p:txBody>
+          <a:bodyPr/>
+          <a:lstStyle/>
+          <a:p>
+            <a:fld id="{914C6EE6-3FC0-42F2-A2AA-2F8392A95B97}" type="slidenum">
+              <a:rPr lang="zh-TW" altLang="en-US" smtClean="0"/>
+              <a:t>33</a:t>
+            </a:fld>
+            <a:endParaRPr lang="zh-TW" altLang="en-US"/>
+          </a:p>
+        </p:txBody>
+      </p:sp>
     </p:spTree>
     <p:extLst>
       <p:ext uri="{BB962C8B-B14F-4D97-AF65-F5344CB8AC3E}">
@@ -27557,6 +28275,29 @@
           </a:p>
         </p:txBody>
       </p:sp>
+      <p:sp>
+        <p:nvSpPr>
+          <p:cNvPr id="3" name="投影片編號版面配置區 2"/>
+          <p:cNvSpPr>
+            <a:spLocks noGrp="1"/>
+          </p:cNvSpPr>
+          <p:nvPr>
+            <p:ph type="sldNum" sz="quarter" idx="12"/>
+          </p:nvPr>
+        </p:nvSpPr>
+        <p:spPr/>
+        <p:txBody>
+          <a:bodyPr/>
+          <a:lstStyle/>
+          <a:p>
+            <a:fld id="{914C6EE6-3FC0-42F2-A2AA-2F8392A95B97}" type="slidenum">
+              <a:rPr lang="zh-TW" altLang="en-US" smtClean="0"/>
+              <a:t>34</a:t>
+            </a:fld>
+            <a:endParaRPr lang="zh-TW" altLang="en-US"/>
+          </a:p>
+        </p:txBody>
+      </p:sp>
     </p:spTree>
     <p:extLst>
       <p:ext uri="{BB962C8B-B14F-4D97-AF65-F5344CB8AC3E}">
@@ -27750,6 +28491,29 @@
           </a:prstGeom>
         </p:spPr>
       </p:pic>
+      <p:sp>
+        <p:nvSpPr>
+          <p:cNvPr id="3" name="投影片編號版面配置區 2"/>
+          <p:cNvSpPr>
+            <a:spLocks noGrp="1"/>
+          </p:cNvSpPr>
+          <p:nvPr>
+            <p:ph type="sldNum" sz="quarter" idx="12"/>
+          </p:nvPr>
+        </p:nvSpPr>
+        <p:spPr/>
+        <p:txBody>
+          <a:bodyPr/>
+          <a:lstStyle/>
+          <a:p>
+            <a:fld id="{914C6EE6-3FC0-42F2-A2AA-2F8392A95B97}" type="slidenum">
+              <a:rPr lang="zh-TW" altLang="en-US" smtClean="0"/>
+              <a:t>35</a:t>
+            </a:fld>
+            <a:endParaRPr lang="zh-TW" altLang="en-US"/>
+          </a:p>
+        </p:txBody>
+      </p:sp>
     </p:spTree>
     <p:extLst>
       <p:ext uri="{BB962C8B-B14F-4D97-AF65-F5344CB8AC3E}">
@@ -27943,6 +28707,29 @@
           </a:prstGeom>
         </p:spPr>
       </p:pic>
+      <p:sp>
+        <p:nvSpPr>
+          <p:cNvPr id="3" name="投影片編號版面配置區 2"/>
+          <p:cNvSpPr>
+            <a:spLocks noGrp="1"/>
+          </p:cNvSpPr>
+          <p:nvPr>
+            <p:ph type="sldNum" sz="quarter" idx="12"/>
+          </p:nvPr>
+        </p:nvSpPr>
+        <p:spPr/>
+        <p:txBody>
+          <a:bodyPr/>
+          <a:lstStyle/>
+          <a:p>
+            <a:fld id="{914C6EE6-3FC0-42F2-A2AA-2F8392A95B97}" type="slidenum">
+              <a:rPr lang="zh-TW" altLang="en-US" smtClean="0"/>
+              <a:t>36</a:t>
+            </a:fld>
+            <a:endParaRPr lang="zh-TW" altLang="en-US"/>
+          </a:p>
+        </p:txBody>
+      </p:sp>
     </p:spTree>
     <p:extLst>
       <p:ext uri="{BB962C8B-B14F-4D97-AF65-F5344CB8AC3E}">
@@ -28146,6 +28933,29 @@
           </a:p>
         </p:txBody>
       </p:sp>
+      <p:sp>
+        <p:nvSpPr>
+          <p:cNvPr id="6" name="投影片編號版面配置區 5"/>
+          <p:cNvSpPr>
+            <a:spLocks noGrp="1"/>
+          </p:cNvSpPr>
+          <p:nvPr>
+            <p:ph type="sldNum" sz="quarter" idx="12"/>
+          </p:nvPr>
+        </p:nvSpPr>
+        <p:spPr/>
+        <p:txBody>
+          <a:bodyPr/>
+          <a:lstStyle/>
+          <a:p>
+            <a:fld id="{914C6EE6-3FC0-42F2-A2AA-2F8392A95B97}" type="slidenum">
+              <a:rPr lang="zh-TW" altLang="en-US" smtClean="0"/>
+              <a:t>37</a:t>
+            </a:fld>
+            <a:endParaRPr lang="zh-TW" altLang="en-US"/>
+          </a:p>
+        </p:txBody>
+      </p:sp>
     </p:spTree>
     <p:extLst>
       <p:ext uri="{BB962C8B-B14F-4D97-AF65-F5344CB8AC3E}">
@@ -28470,6 +29280,29 @@
           </a:p>
         </p:txBody>
       </p:sp>
+      <p:sp>
+        <p:nvSpPr>
+          <p:cNvPr id="3" name="投影片編號版面配置區 2"/>
+          <p:cNvSpPr>
+            <a:spLocks noGrp="1"/>
+          </p:cNvSpPr>
+          <p:nvPr>
+            <p:ph type="sldNum" sz="quarter" idx="12"/>
+          </p:nvPr>
+        </p:nvSpPr>
+        <p:spPr/>
+        <p:txBody>
+          <a:bodyPr/>
+          <a:lstStyle/>
+          <a:p>
+            <a:fld id="{914C6EE6-3FC0-42F2-A2AA-2F8392A95B97}" type="slidenum">
+              <a:rPr lang="zh-TW" altLang="en-US" smtClean="0"/>
+              <a:t>38</a:t>
+            </a:fld>
+            <a:endParaRPr lang="zh-TW" altLang="en-US"/>
+          </a:p>
+        </p:txBody>
+      </p:sp>
     </p:spTree>
     <p:extLst>
       <p:ext uri="{BB962C8B-B14F-4D97-AF65-F5344CB8AC3E}">
@@ -28794,6 +29627,29 @@
           </a:p>
         </p:txBody>
       </p:sp>
+      <p:sp>
+        <p:nvSpPr>
+          <p:cNvPr id="3" name="投影片編號版面配置區 2"/>
+          <p:cNvSpPr>
+            <a:spLocks noGrp="1"/>
+          </p:cNvSpPr>
+          <p:nvPr>
+            <p:ph type="sldNum" sz="quarter" idx="12"/>
+          </p:nvPr>
+        </p:nvSpPr>
+        <p:spPr/>
+        <p:txBody>
+          <a:bodyPr/>
+          <a:lstStyle/>
+          <a:p>
+            <a:fld id="{914C6EE6-3FC0-42F2-A2AA-2F8392A95B97}" type="slidenum">
+              <a:rPr lang="zh-TW" altLang="en-US" smtClean="0"/>
+              <a:t>39</a:t>
+            </a:fld>
+            <a:endParaRPr lang="zh-TW" altLang="en-US"/>
+          </a:p>
+        </p:txBody>
+      </p:sp>
     </p:spTree>
     <p:extLst>
       <p:ext uri="{BB962C8B-B14F-4D97-AF65-F5344CB8AC3E}">
@@ -29062,6 +29918,29 @@
           </a:prstGeom>
         </p:spPr>
       </p:pic>
+      <p:sp>
+        <p:nvSpPr>
+          <p:cNvPr id="7" name="投影片編號版面配置區 6"/>
+          <p:cNvSpPr>
+            <a:spLocks noGrp="1"/>
+          </p:cNvSpPr>
+          <p:nvPr>
+            <p:ph type="sldNum" sz="quarter" idx="12"/>
+          </p:nvPr>
+        </p:nvSpPr>
+        <p:spPr/>
+        <p:txBody>
+          <a:bodyPr/>
+          <a:lstStyle/>
+          <a:p>
+            <a:fld id="{914C6EE6-3FC0-42F2-A2AA-2F8392A95B97}" type="slidenum">
+              <a:rPr lang="zh-TW" altLang="en-US" smtClean="0"/>
+              <a:t>4</a:t>
+            </a:fld>
+            <a:endParaRPr lang="zh-TW" altLang="en-US"/>
+          </a:p>
+        </p:txBody>
+      </p:sp>
     </p:spTree>
     <p:extLst>
       <p:ext uri="{BB962C8B-B14F-4D97-AF65-F5344CB8AC3E}">
@@ -29331,6 +30210,29 @@
           </a:p>
         </p:txBody>
       </p:sp>
+      <p:sp>
+        <p:nvSpPr>
+          <p:cNvPr id="6" name="投影片編號版面配置區 5"/>
+          <p:cNvSpPr>
+            <a:spLocks noGrp="1"/>
+          </p:cNvSpPr>
+          <p:nvPr>
+            <p:ph type="sldNum" sz="quarter" idx="12"/>
+          </p:nvPr>
+        </p:nvSpPr>
+        <p:spPr/>
+        <p:txBody>
+          <a:bodyPr/>
+          <a:lstStyle/>
+          <a:p>
+            <a:fld id="{914C6EE6-3FC0-42F2-A2AA-2F8392A95B97}" type="slidenum">
+              <a:rPr lang="zh-TW" altLang="en-US" smtClean="0"/>
+              <a:t>40</a:t>
+            </a:fld>
+            <a:endParaRPr lang="zh-TW" altLang="en-US"/>
+          </a:p>
+        </p:txBody>
+      </p:sp>
     </p:spTree>
     <p:extLst>
       <p:ext uri="{BB962C8B-B14F-4D97-AF65-F5344CB8AC3E}">
@@ -29548,6 +30450,29 @@
           </a:prstGeom>
         </p:spPr>
       </p:pic>
+      <p:sp>
+        <p:nvSpPr>
+          <p:cNvPr id="2" name="投影片編號版面配置區 1"/>
+          <p:cNvSpPr>
+            <a:spLocks noGrp="1"/>
+          </p:cNvSpPr>
+          <p:nvPr>
+            <p:ph type="sldNum" sz="quarter" idx="12"/>
+          </p:nvPr>
+        </p:nvSpPr>
+        <p:spPr/>
+        <p:txBody>
+          <a:bodyPr/>
+          <a:lstStyle/>
+          <a:p>
+            <a:fld id="{914C6EE6-3FC0-42F2-A2AA-2F8392A95B97}" type="slidenum">
+              <a:rPr lang="zh-TW" altLang="en-US" smtClean="0"/>
+              <a:t>41</a:t>
+            </a:fld>
+            <a:endParaRPr lang="zh-TW" altLang="en-US"/>
+          </a:p>
+        </p:txBody>
+      </p:sp>
     </p:spTree>
     <p:extLst>
       <p:ext uri="{BB962C8B-B14F-4D97-AF65-F5344CB8AC3E}">
@@ -29765,6 +30690,29 @@
           </a:prstGeom>
         </p:spPr>
       </p:pic>
+      <p:sp>
+        <p:nvSpPr>
+          <p:cNvPr id="2" name="投影片編號版面配置區 1"/>
+          <p:cNvSpPr>
+            <a:spLocks noGrp="1"/>
+          </p:cNvSpPr>
+          <p:nvPr>
+            <p:ph type="sldNum" sz="quarter" idx="12"/>
+          </p:nvPr>
+        </p:nvSpPr>
+        <p:spPr/>
+        <p:txBody>
+          <a:bodyPr/>
+          <a:lstStyle/>
+          <a:p>
+            <a:fld id="{914C6EE6-3FC0-42F2-A2AA-2F8392A95B97}" type="slidenum">
+              <a:rPr lang="zh-TW" altLang="en-US" smtClean="0"/>
+              <a:t>42</a:t>
+            </a:fld>
+            <a:endParaRPr lang="zh-TW" altLang="en-US"/>
+          </a:p>
+        </p:txBody>
+      </p:sp>
     </p:spTree>
     <p:extLst>
       <p:ext uri="{BB962C8B-B14F-4D97-AF65-F5344CB8AC3E}">
@@ -29931,6 +30879,29 @@
           </a:p>
         </p:txBody>
       </p:sp>
+      <p:sp>
+        <p:nvSpPr>
+          <p:cNvPr id="3" name="投影片編號版面配置區 2"/>
+          <p:cNvSpPr>
+            <a:spLocks noGrp="1"/>
+          </p:cNvSpPr>
+          <p:nvPr>
+            <p:ph type="sldNum" sz="quarter" idx="12"/>
+          </p:nvPr>
+        </p:nvSpPr>
+        <p:spPr/>
+        <p:txBody>
+          <a:bodyPr/>
+          <a:lstStyle/>
+          <a:p>
+            <a:fld id="{914C6EE6-3FC0-42F2-A2AA-2F8392A95B97}" type="slidenum">
+              <a:rPr lang="zh-TW" altLang="en-US" smtClean="0"/>
+              <a:t>43</a:t>
+            </a:fld>
+            <a:endParaRPr lang="zh-TW" altLang="en-US"/>
+          </a:p>
+        </p:txBody>
+      </p:sp>
     </p:spTree>
     <p:extLst>
       <p:ext uri="{BB962C8B-B14F-4D97-AF65-F5344CB8AC3E}">
@@ -29986,8 +30957,18 @@
           <a:lstStyle/>
           <a:p>
             <a:r>
-              <a:rPr lang="en-US" altLang="zh-TW" sz="3200" dirty="0"/>
-              <a:t>Threshold</a:t>
+              <a:rPr lang="zh-TW" altLang="en-US" sz="3200" dirty="0" smtClean="0">
+                <a:latin typeface="標楷體" panose="03000509000000000000" pitchFamily="65" charset="-120"/>
+                <a:ea typeface="標楷體" panose="03000509000000000000" pitchFamily="65" charset="-120"/>
+              </a:rPr>
+              <a:t>門檻</a:t>
+            </a:r>
+            <a:r>
+              <a:rPr lang="zh-TW" altLang="en-US" sz="3200" dirty="0">
+                <a:latin typeface="標楷體" panose="03000509000000000000" pitchFamily="65" charset="-120"/>
+                <a:ea typeface="標楷體" panose="03000509000000000000" pitchFamily="65" charset="-120"/>
+              </a:rPr>
+              <a:t>值</a:t>
             </a:r>
             <a:endParaRPr lang="en-US" altLang="zh-TW" sz="3200" dirty="0">
               <a:latin typeface="標楷體" panose="03000509000000000000" pitchFamily="65" charset="-120"/>
@@ -30181,6 +31162,29 @@
               <a:latin typeface="標楷體" panose="03000509000000000000" pitchFamily="65" charset="-120"/>
               <a:ea typeface="標楷體" panose="03000509000000000000" pitchFamily="65" charset="-120"/>
             </a:endParaRPr>
+          </a:p>
+        </p:txBody>
+      </p:sp>
+      <p:sp>
+        <p:nvSpPr>
+          <p:cNvPr id="6" name="投影片編號版面配置區 5"/>
+          <p:cNvSpPr>
+            <a:spLocks noGrp="1"/>
+          </p:cNvSpPr>
+          <p:nvPr>
+            <p:ph type="sldNum" sz="quarter" idx="12"/>
+          </p:nvPr>
+        </p:nvSpPr>
+        <p:spPr/>
+        <p:txBody>
+          <a:bodyPr/>
+          <a:lstStyle/>
+          <a:p>
+            <a:fld id="{914C6EE6-3FC0-42F2-A2AA-2F8392A95B97}" type="slidenum">
+              <a:rPr lang="zh-TW" altLang="en-US" smtClean="0"/>
+              <a:t>44</a:t>
+            </a:fld>
+            <a:endParaRPr lang="zh-TW" altLang="en-US"/>
           </a:p>
         </p:txBody>
       </p:sp>
@@ -30239,8 +31243,11 @@
           <a:lstStyle/>
           <a:p>
             <a:r>
-              <a:rPr lang="en-US" altLang="zh-TW" sz="3200" dirty="0"/>
-              <a:t>Normal Distribution</a:t>
+              <a:rPr lang="zh-TW" altLang="en-US" sz="3200" dirty="0">
+                <a:latin typeface="標楷體" panose="03000509000000000000" pitchFamily="65" charset="-120"/>
+                <a:ea typeface="標楷體" panose="03000509000000000000" pitchFamily="65" charset="-120"/>
+              </a:rPr>
+              <a:t>一般常態分佈</a:t>
             </a:r>
             <a:endParaRPr lang="en-US" altLang="zh-TW" sz="3200" dirty="0">
               <a:latin typeface="標楷體" panose="03000509000000000000" pitchFamily="65" charset="-120"/>
@@ -30414,6 +31421,29 @@
               <a:latin typeface="標楷體" panose="03000509000000000000" pitchFamily="65" charset="-120"/>
               <a:ea typeface="標楷體" panose="03000509000000000000" pitchFamily="65" charset="-120"/>
             </a:endParaRPr>
+          </a:p>
+        </p:txBody>
+      </p:sp>
+      <p:sp>
+        <p:nvSpPr>
+          <p:cNvPr id="6" name="投影片編號版面配置區 5"/>
+          <p:cNvSpPr>
+            <a:spLocks noGrp="1"/>
+          </p:cNvSpPr>
+          <p:nvPr>
+            <p:ph type="sldNum" sz="quarter" idx="12"/>
+          </p:nvPr>
+        </p:nvSpPr>
+        <p:spPr/>
+        <p:txBody>
+          <a:bodyPr/>
+          <a:lstStyle/>
+          <a:p>
+            <a:fld id="{914C6EE6-3FC0-42F2-A2AA-2F8392A95B97}" type="slidenum">
+              <a:rPr lang="zh-TW" altLang="en-US" smtClean="0"/>
+              <a:t>45</a:t>
+            </a:fld>
+            <a:endParaRPr lang="zh-TW" altLang="en-US"/>
           </a:p>
         </p:txBody>
       </p:sp>
@@ -30472,8 +31502,11 @@
           <a:lstStyle/>
           <a:p>
             <a:r>
-              <a:rPr lang="en-US" altLang="zh-TW" sz="3200" dirty="0"/>
-              <a:t>Data Segment’s Average with Normal Distribution</a:t>
+              <a:rPr lang="zh-TW" altLang="en-US" sz="3200" dirty="0">
+                <a:latin typeface="標楷體" panose="03000509000000000000" pitchFamily="65" charset="-120"/>
+                <a:ea typeface="標楷體" panose="03000509000000000000" pitchFamily="65" charset="-120"/>
+              </a:rPr>
+              <a:t>資料片段平均值與常態分佈</a:t>
             </a:r>
             <a:endParaRPr lang="en-US" altLang="zh-TW" sz="3200" dirty="0">
               <a:latin typeface="標楷體" panose="03000509000000000000" pitchFamily="65" charset="-120"/>
@@ -30640,6 +31673,29 @@
               <a:latin typeface="標楷體" panose="03000509000000000000" pitchFamily="65" charset="-120"/>
               <a:ea typeface="標楷體" panose="03000509000000000000" pitchFamily="65" charset="-120"/>
             </a:endParaRPr>
+          </a:p>
+        </p:txBody>
+      </p:sp>
+      <p:sp>
+        <p:nvSpPr>
+          <p:cNvPr id="6" name="投影片編號版面配置區 5"/>
+          <p:cNvSpPr>
+            <a:spLocks noGrp="1"/>
+          </p:cNvSpPr>
+          <p:nvPr>
+            <p:ph type="sldNum" sz="quarter" idx="12"/>
+          </p:nvPr>
+        </p:nvSpPr>
+        <p:spPr/>
+        <p:txBody>
+          <a:bodyPr/>
+          <a:lstStyle/>
+          <a:p>
+            <a:fld id="{914C6EE6-3FC0-42F2-A2AA-2F8392A95B97}" type="slidenum">
+              <a:rPr lang="zh-TW" altLang="en-US" smtClean="0"/>
+              <a:t>46</a:t>
+            </a:fld>
+            <a:endParaRPr lang="zh-TW" altLang="en-US"/>
           </a:p>
         </p:txBody>
       </p:sp>
@@ -30889,6 +31945,29 @@
           </a:p>
         </p:txBody>
       </p:sp>
+      <p:sp>
+        <p:nvSpPr>
+          <p:cNvPr id="6" name="投影片編號版面配置區 5"/>
+          <p:cNvSpPr>
+            <a:spLocks noGrp="1"/>
+          </p:cNvSpPr>
+          <p:nvPr>
+            <p:ph type="sldNum" sz="quarter" idx="12"/>
+          </p:nvPr>
+        </p:nvSpPr>
+        <p:spPr/>
+        <p:txBody>
+          <a:bodyPr/>
+          <a:lstStyle/>
+          <a:p>
+            <a:fld id="{914C6EE6-3FC0-42F2-A2AA-2F8392A95B97}" type="slidenum">
+              <a:rPr lang="zh-TW" altLang="en-US" smtClean="0"/>
+              <a:t>47</a:t>
+            </a:fld>
+            <a:endParaRPr lang="zh-TW" altLang="en-US"/>
+          </a:p>
+        </p:txBody>
+      </p:sp>
     </p:spTree>
     <p:extLst>
       <p:ext uri="{BB962C8B-B14F-4D97-AF65-F5344CB8AC3E}">
@@ -30944,8 +32023,16 @@
           <a:lstStyle/>
           <a:p>
             <a:r>
-              <a:rPr lang="en-US" altLang="zh-TW" sz="3200" dirty="0"/>
-              <a:t>Data Segments with LOF Algorithm</a:t>
+              <a:rPr lang="zh-TW" altLang="en-US" sz="3200" dirty="0">
+                <a:ea typeface="標楷體" panose="03000509000000000000" pitchFamily="65" charset="-120"/>
+              </a:rPr>
+              <a:t>資料片段數值與</a:t>
+            </a:r>
+            <a:r>
+              <a:rPr lang="en-US" altLang="zh-TW" sz="3200" dirty="0">
+                <a:ea typeface="標楷體" panose="03000509000000000000" pitchFamily="65" charset="-120"/>
+              </a:rPr>
+              <a:t>LOF</a:t>
             </a:r>
             <a:endParaRPr lang="en-US" altLang="zh-TW" sz="3200" dirty="0">
               <a:latin typeface="標楷體" panose="03000509000000000000" pitchFamily="65" charset="-120"/>
@@ -31188,6 +32275,29 @@
               <a:latin typeface="標楷體" panose="03000509000000000000" pitchFamily="65" charset="-120"/>
               <a:ea typeface="標楷體" panose="03000509000000000000" pitchFamily="65" charset="-120"/>
             </a:endParaRPr>
+          </a:p>
+        </p:txBody>
+      </p:sp>
+      <p:sp>
+        <p:nvSpPr>
+          <p:cNvPr id="6" name="投影片編號版面配置區 5"/>
+          <p:cNvSpPr>
+            <a:spLocks noGrp="1"/>
+          </p:cNvSpPr>
+          <p:nvPr>
+            <p:ph type="sldNum" sz="quarter" idx="12"/>
+          </p:nvPr>
+        </p:nvSpPr>
+        <p:spPr/>
+        <p:txBody>
+          <a:bodyPr/>
+          <a:lstStyle/>
+          <a:p>
+            <a:fld id="{914C6EE6-3FC0-42F2-A2AA-2F8392A95B97}" type="slidenum">
+              <a:rPr lang="zh-TW" altLang="en-US" smtClean="0"/>
+              <a:t>48</a:t>
+            </a:fld>
+            <a:endParaRPr lang="zh-TW" altLang="en-US"/>
           </a:p>
         </p:txBody>
       </p:sp>
@@ -31246,8 +32356,16 @@
           <a:lstStyle/>
           <a:p>
             <a:r>
-              <a:rPr lang="en-US" altLang="zh-TW" sz="3200" dirty="0"/>
-              <a:t>Data Segment’s Standard Deviation and Average with LOF Algorithm</a:t>
+              <a:rPr lang="zh-TW" altLang="en-US" sz="3200" dirty="0">
+                <a:ea typeface="標楷體" panose="03000509000000000000" pitchFamily="65" charset="-120"/>
+              </a:rPr>
+              <a:t>資料片段平均值、標準差與</a:t>
+            </a:r>
+            <a:r>
+              <a:rPr lang="en-US" altLang="zh-TW" sz="3200" dirty="0">
+                <a:ea typeface="標楷體" panose="03000509000000000000" pitchFamily="65" charset="-120"/>
+              </a:rPr>
+              <a:t>LOF</a:t>
             </a:r>
             <a:endParaRPr lang="en-US" altLang="zh-TW" sz="3200" dirty="0">
               <a:latin typeface="標楷體" panose="03000509000000000000" pitchFamily="65" charset="-120"/>
@@ -31495,6 +32613,29 @@
               <a:latin typeface="標楷體" panose="03000509000000000000" pitchFamily="65" charset="-120"/>
               <a:ea typeface="標楷體" panose="03000509000000000000" pitchFamily="65" charset="-120"/>
             </a:endParaRPr>
+          </a:p>
+        </p:txBody>
+      </p:sp>
+      <p:sp>
+        <p:nvSpPr>
+          <p:cNvPr id="6" name="投影片編號版面配置區 5"/>
+          <p:cNvSpPr>
+            <a:spLocks noGrp="1"/>
+          </p:cNvSpPr>
+          <p:nvPr>
+            <p:ph type="sldNum" sz="quarter" idx="12"/>
+          </p:nvPr>
+        </p:nvSpPr>
+        <p:spPr/>
+        <p:txBody>
+          <a:bodyPr/>
+          <a:lstStyle/>
+          <a:p>
+            <a:fld id="{914C6EE6-3FC0-42F2-A2AA-2F8392A95B97}" type="slidenum">
+              <a:rPr lang="zh-TW" altLang="en-US" smtClean="0"/>
+              <a:t>49</a:t>
+            </a:fld>
+            <a:endParaRPr lang="zh-TW" altLang="en-US"/>
           </a:p>
         </p:txBody>
       </p:sp>
@@ -31692,14 +32833,7 @@
                 <a:latin typeface="標楷體" panose="03000509000000000000" pitchFamily="65" charset="-120"/>
                 <a:ea typeface="標楷體" panose="03000509000000000000" pitchFamily="65" charset="-120"/>
               </a:rPr>
-              <a:t>造成環境監控數值</a:t>
-            </a:r>
-            <a:r>
-              <a:rPr lang="zh-TW" altLang="en-US" dirty="0" smtClean="0">
-                <a:latin typeface="標楷體" panose="03000509000000000000" pitchFamily="65" charset="-120"/>
-                <a:ea typeface="標楷體" panose="03000509000000000000" pitchFamily="65" charset="-120"/>
-              </a:rPr>
-              <a:t>的變化。</a:t>
+              <a:t>造成環境監控數值的變化。</a:t>
             </a:r>
             <a:endParaRPr lang="en-US" altLang="zh-TW" dirty="0" smtClean="0">
               <a:latin typeface="標楷體" panose="03000509000000000000" pitchFamily="65" charset="-120"/>
@@ -31752,6 +32886,29 @@
               <a:latin typeface="標楷體" panose="03000509000000000000" pitchFamily="65" charset="-120"/>
               <a:ea typeface="標楷體" panose="03000509000000000000" pitchFamily="65" charset="-120"/>
             </a:endParaRPr>
+          </a:p>
+        </p:txBody>
+      </p:sp>
+      <p:sp>
+        <p:nvSpPr>
+          <p:cNvPr id="6" name="投影片編號版面配置區 5"/>
+          <p:cNvSpPr>
+            <a:spLocks noGrp="1"/>
+          </p:cNvSpPr>
+          <p:nvPr>
+            <p:ph type="sldNum" sz="quarter" idx="12"/>
+          </p:nvPr>
+        </p:nvSpPr>
+        <p:spPr/>
+        <p:txBody>
+          <a:bodyPr/>
+          <a:lstStyle/>
+          <a:p>
+            <a:fld id="{914C6EE6-3FC0-42F2-A2AA-2F8392A95B97}" type="slidenum">
+              <a:rPr lang="zh-TW" altLang="en-US" smtClean="0"/>
+              <a:t>5</a:t>
+            </a:fld>
+            <a:endParaRPr lang="zh-TW" altLang="en-US"/>
           </a:p>
         </p:txBody>
       </p:sp>
@@ -31921,6 +33078,29 @@
           </a:p>
         </p:txBody>
       </p:sp>
+      <p:sp>
+        <p:nvSpPr>
+          <p:cNvPr id="3" name="投影片編號版面配置區 2"/>
+          <p:cNvSpPr>
+            <a:spLocks noGrp="1"/>
+          </p:cNvSpPr>
+          <p:nvPr>
+            <p:ph type="sldNum" sz="quarter" idx="12"/>
+          </p:nvPr>
+        </p:nvSpPr>
+        <p:spPr/>
+        <p:txBody>
+          <a:bodyPr/>
+          <a:lstStyle/>
+          <a:p>
+            <a:fld id="{914C6EE6-3FC0-42F2-A2AA-2F8392A95B97}" type="slidenum">
+              <a:rPr lang="zh-TW" altLang="en-US" smtClean="0"/>
+              <a:t>6</a:t>
+            </a:fld>
+            <a:endParaRPr lang="zh-TW" altLang="en-US"/>
+          </a:p>
+        </p:txBody>
+      </p:sp>
     </p:spTree>
     <p:extLst>
       <p:ext uri="{BB962C8B-B14F-4D97-AF65-F5344CB8AC3E}">
@@ -32165,6 +33345,29 @@
           </a:p>
         </p:txBody>
       </p:sp>
+      <p:sp>
+        <p:nvSpPr>
+          <p:cNvPr id="6" name="投影片編號版面配置區 5"/>
+          <p:cNvSpPr>
+            <a:spLocks noGrp="1"/>
+          </p:cNvSpPr>
+          <p:nvPr>
+            <p:ph type="sldNum" sz="quarter" idx="12"/>
+          </p:nvPr>
+        </p:nvSpPr>
+        <p:spPr/>
+        <p:txBody>
+          <a:bodyPr/>
+          <a:lstStyle/>
+          <a:p>
+            <a:fld id="{914C6EE6-3FC0-42F2-A2AA-2F8392A95B97}" type="slidenum">
+              <a:rPr lang="zh-TW" altLang="en-US" smtClean="0"/>
+              <a:t>7</a:t>
+            </a:fld>
+            <a:endParaRPr lang="zh-TW" altLang="en-US"/>
+          </a:p>
+        </p:txBody>
+      </p:sp>
     </p:spTree>
     <p:extLst>
       <p:ext uri="{BB962C8B-B14F-4D97-AF65-F5344CB8AC3E}">
@@ -32445,6 +33648,29 @@
           </a:p>
         </p:txBody>
       </p:sp>
+      <p:sp>
+        <p:nvSpPr>
+          <p:cNvPr id="6" name="投影片編號版面配置區 5"/>
+          <p:cNvSpPr>
+            <a:spLocks noGrp="1"/>
+          </p:cNvSpPr>
+          <p:nvPr>
+            <p:ph type="sldNum" sz="quarter" idx="12"/>
+          </p:nvPr>
+        </p:nvSpPr>
+        <p:spPr/>
+        <p:txBody>
+          <a:bodyPr/>
+          <a:lstStyle/>
+          <a:p>
+            <a:fld id="{914C6EE6-3FC0-42F2-A2AA-2F8392A95B97}" type="slidenum">
+              <a:rPr lang="zh-TW" altLang="en-US" smtClean="0"/>
+              <a:t>8</a:t>
+            </a:fld>
+            <a:endParaRPr lang="zh-TW" altLang="en-US"/>
+          </a:p>
+        </p:txBody>
+      </p:sp>
     </p:spTree>
     <p:extLst>
       <p:ext uri="{BB962C8B-B14F-4D97-AF65-F5344CB8AC3E}">
@@ -32811,6 +34037,29 @@
           <a:lstStyle/>
           <a:p>
             <a:pPr algn="ctr"/>
+            <a:endParaRPr lang="zh-TW" altLang="en-US"/>
+          </a:p>
+        </p:txBody>
+      </p:sp>
+      <p:sp>
+        <p:nvSpPr>
+          <p:cNvPr id="3" name="投影片編號版面配置區 2"/>
+          <p:cNvSpPr>
+            <a:spLocks noGrp="1"/>
+          </p:cNvSpPr>
+          <p:nvPr>
+            <p:ph type="sldNum" sz="quarter" idx="12"/>
+          </p:nvPr>
+        </p:nvSpPr>
+        <p:spPr/>
+        <p:txBody>
+          <a:bodyPr/>
+          <a:lstStyle/>
+          <a:p>
+            <a:fld id="{914C6EE6-3FC0-42F2-A2AA-2F8392A95B97}" type="slidenum">
+              <a:rPr lang="zh-TW" altLang="en-US" smtClean="0"/>
+              <a:t>9</a:t>
+            </a:fld>
             <a:endParaRPr lang="zh-TW" altLang="en-US"/>
           </a:p>
         </p:txBody>

--- a/Anomaly Detection and Event Alert System for IOT Integrated Management Platform.pptx
+++ b/Anomaly Detection and Event Alert System for IOT Integrated Management Platform.pptx
@@ -260,7 +260,7 @@
           <a:p>
             <a:fld id="{6977A58A-38D4-4745-B1BD-B36B6360EE10}" type="datetimeFigureOut">
               <a:rPr lang="zh-TW" altLang="en-US" smtClean="0"/>
-              <a:t>2017/7/18</a:t>
+              <a:t>2017/7/19</a:t>
             </a:fld>
             <a:endParaRPr lang="zh-TW" altLang="en-US"/>
           </a:p>
@@ -425,7 +425,7 @@
           <a:p>
             <a:fld id="{24BD2BB7-AC21-4A01-8503-F1C775A6F59E}" type="datetimeFigureOut">
               <a:rPr lang="zh-TW" altLang="en-US" smtClean="0"/>
-              <a:t>2017/7/18</a:t>
+              <a:t>2017/7/19</a:t>
             </a:fld>
             <a:endParaRPr lang="zh-TW" altLang="en-US"/>
           </a:p>
@@ -823,7 +823,15 @@
           <a:p>
             <a:r>
               <a:rPr lang="zh-TW" altLang="en-US" dirty="0" smtClean="0"/>
-              <a:t>集體異常表示有一小群資料片離主要狀態</a:t>
+              <a:t>集體異常表示有一小群</a:t>
+            </a:r>
+            <a:r>
+              <a:rPr lang="zh-TW" altLang="en-US" dirty="0" smtClean="0"/>
+              <a:t>資料偏離主要</a:t>
+            </a:r>
+            <a:r>
+              <a:rPr lang="zh-TW" altLang="en-US" dirty="0" smtClean="0"/>
+              <a:t>狀態</a:t>
             </a:r>
             <a:endParaRPr lang="en-US" altLang="zh-TW" dirty="0" smtClean="0"/>
           </a:p>
@@ -925,7 +933,15 @@
           <a:p>
             <a:r>
               <a:rPr lang="zh-TW" altLang="en-US" dirty="0" smtClean="0"/>
-              <a:t>這邊用一個商業區用電量與時間的例子說明</a:t>
+              <a:t>這邊用一個商業區用</a:t>
+            </a:r>
+            <a:r>
+              <a:rPr lang="zh-TW" altLang="en-US" dirty="0" smtClean="0"/>
+              <a:t>電量和時間</a:t>
+            </a:r>
+            <a:r>
+              <a:rPr lang="zh-TW" altLang="en-US" dirty="0" smtClean="0"/>
+              <a:t>的例子說明</a:t>
             </a:r>
             <a:endParaRPr lang="en-US" altLang="zh-TW" dirty="0" smtClean="0"/>
           </a:p>
@@ -1259,7 +1275,15 @@
           <a:p>
             <a:r>
               <a:rPr lang="zh-TW" altLang="en-US" dirty="0" smtClean="0"/>
-              <a:t>使用分群演算法可以照到資料的分布狀態</a:t>
+              <a:t>使用分群</a:t>
+            </a:r>
+            <a:r>
+              <a:rPr lang="zh-TW" altLang="en-US" dirty="0" smtClean="0"/>
+              <a:t>演算法就可以找到</a:t>
+            </a:r>
+            <a:r>
+              <a:rPr lang="zh-TW" altLang="en-US" dirty="0" smtClean="0"/>
+              <a:t>資料的分布狀態</a:t>
             </a:r>
             <a:endParaRPr lang="en-US" altLang="zh-TW" dirty="0" smtClean="0"/>
           </a:p>
@@ -3740,7 +3764,15 @@
           <a:p>
             <a:r>
               <a:rPr lang="zh-TW" altLang="en-US" dirty="0" smtClean="0"/>
-              <a:t>發現同樣的改變狀態異常回到的時間點都比一般常態分佈要晚一點</a:t>
+              <a:t>發現同樣的改變狀態</a:t>
+            </a:r>
+            <a:r>
+              <a:rPr lang="zh-TW" altLang="en-US" dirty="0" smtClean="0"/>
+              <a:t>異常回報的</a:t>
+            </a:r>
+            <a:r>
+              <a:rPr lang="zh-TW" altLang="en-US" dirty="0" smtClean="0"/>
+              <a:t>時間點都比一般常態分佈要晚一點</a:t>
             </a:r>
             <a:endParaRPr lang="en-US" altLang="zh-TW" dirty="0" smtClean="0"/>
           </a:p>
@@ -3771,7 +3803,15 @@
           <a:p>
             <a:r>
               <a:rPr lang="zh-TW" altLang="en-US" dirty="0" smtClean="0"/>
-              <a:t>而隨著倍事件資料取代的數值越來越多，多個特徵值都偏離原本狀態時</a:t>
+              <a:t>而</a:t>
+            </a:r>
+            <a:r>
+              <a:rPr lang="zh-TW" altLang="en-US" dirty="0" smtClean="0"/>
+              <a:t>隨著事件</a:t>
+            </a:r>
+            <a:r>
+              <a:rPr lang="zh-TW" altLang="en-US" dirty="0" smtClean="0"/>
+              <a:t>資料取代的數值越來越多，多個特徵值都偏離原本狀態時</a:t>
             </a:r>
             <a:endParaRPr lang="en-US" altLang="zh-TW" dirty="0" smtClean="0"/>
           </a:p>
@@ -5996,14 +6036,26 @@
           <a:p>
             <a:r>
               <a:rPr lang="zh-TW" altLang="en-US" dirty="0" smtClean="0"/>
-              <a:t>簡單來說異常就是資料及裡面還沒被清楚定義的資料特徵</a:t>
+              <a:t>簡單來說異常就是</a:t>
+            </a:r>
+            <a:r>
+              <a:rPr lang="zh-TW" altLang="en-US" dirty="0" smtClean="0"/>
+              <a:t>資料集裡面</a:t>
+            </a:r>
+            <a:r>
+              <a:rPr lang="zh-TW" altLang="en-US" dirty="0" smtClean="0"/>
+              <a:t>還沒被清楚定義的資料特徵</a:t>
             </a:r>
             <a:endParaRPr lang="en-US" altLang="zh-TW" dirty="0" smtClean="0"/>
           </a:p>
           <a:p>
             <a:r>
               <a:rPr lang="zh-TW" altLang="en-US" dirty="0" smtClean="0"/>
-              <a:t>也就是和其他歷史資料比較，偏離群集的資料</a:t>
+              <a:t>也就是偏離歷史群集</a:t>
+            </a:r>
+            <a:r>
+              <a:rPr lang="zh-TW" altLang="en-US" dirty="0" smtClean="0"/>
+              <a:t>的資料</a:t>
             </a:r>
             <a:endParaRPr lang="en-US" altLang="zh-TW" dirty="0" smtClean="0"/>
           </a:p>
@@ -6380,7 +6432,7 @@
           <a:p>
             <a:fld id="{4153904B-E9F6-4A63-9321-8B53EF9082B8}" type="datetime1">
               <a:rPr lang="zh-TW" altLang="en-US" smtClean="0"/>
-              <a:t>2017/7/18</a:t>
+              <a:t>2017/7/19</a:t>
             </a:fld>
             <a:endParaRPr lang="zh-TW" altLang="en-US"/>
           </a:p>
@@ -6550,7 +6602,7 @@
           <a:p>
             <a:fld id="{485F63C1-D7EF-47C8-A084-13F7B9E4BE01}" type="datetime1">
               <a:rPr lang="zh-TW" altLang="en-US" smtClean="0"/>
-              <a:t>2017/7/18</a:t>
+              <a:t>2017/7/19</a:t>
             </a:fld>
             <a:endParaRPr lang="zh-TW" altLang="en-US"/>
           </a:p>
@@ -6730,7 +6782,7 @@
           <a:p>
             <a:fld id="{7F0FD99B-7AC8-416E-A0C6-BD02CB732637}" type="datetime1">
               <a:rPr lang="zh-TW" altLang="en-US" smtClean="0"/>
-              <a:t>2017/7/18</a:t>
+              <a:t>2017/7/19</a:t>
             </a:fld>
             <a:endParaRPr lang="zh-TW" altLang="en-US"/>
           </a:p>
@@ -6900,7 +6952,7 @@
           <a:p>
             <a:fld id="{B89927CF-A6F7-43B0-90D0-CDEC21A23250}" type="datetime1">
               <a:rPr lang="zh-TW" altLang="en-US" smtClean="0"/>
-              <a:t>2017/7/18</a:t>
+              <a:t>2017/7/19</a:t>
             </a:fld>
             <a:endParaRPr lang="zh-TW" altLang="en-US"/>
           </a:p>
@@ -7146,7 +7198,7 @@
           <a:p>
             <a:fld id="{F8DFD6DD-473C-4721-8B5F-E6B98DD8F841}" type="datetime1">
               <a:rPr lang="zh-TW" altLang="en-US" smtClean="0"/>
-              <a:t>2017/7/18</a:t>
+              <a:t>2017/7/19</a:t>
             </a:fld>
             <a:endParaRPr lang="zh-TW" altLang="en-US"/>
           </a:p>
@@ -7378,7 +7430,7 @@
           <a:p>
             <a:fld id="{DF6461C6-5BEC-4AE5-90A4-B778A3A55AE2}" type="datetime1">
               <a:rPr lang="zh-TW" altLang="en-US" smtClean="0"/>
-              <a:t>2017/7/18</a:t>
+              <a:t>2017/7/19</a:t>
             </a:fld>
             <a:endParaRPr lang="zh-TW" altLang="en-US"/>
           </a:p>
@@ -7745,7 +7797,7 @@
           <a:p>
             <a:fld id="{2FA54954-A9C2-4BCD-ADC6-F33B3A2DD421}" type="datetime1">
               <a:rPr lang="zh-TW" altLang="en-US" smtClean="0"/>
-              <a:t>2017/7/18</a:t>
+              <a:t>2017/7/19</a:t>
             </a:fld>
             <a:endParaRPr lang="zh-TW" altLang="en-US"/>
           </a:p>
@@ -7863,7 +7915,7 @@
           <a:p>
             <a:fld id="{A5D6EE24-E238-4020-B5A1-5E17B4DC8B80}" type="datetime1">
               <a:rPr lang="zh-TW" altLang="en-US" smtClean="0"/>
-              <a:t>2017/7/18</a:t>
+              <a:t>2017/7/19</a:t>
             </a:fld>
             <a:endParaRPr lang="zh-TW" altLang="en-US"/>
           </a:p>
@@ -7958,7 +8010,7 @@
           <a:p>
             <a:fld id="{8C06B0CF-45CC-4969-877E-2464855938BB}" type="datetime1">
               <a:rPr lang="zh-TW" altLang="en-US" smtClean="0"/>
-              <a:t>2017/7/18</a:t>
+              <a:t>2017/7/19</a:t>
             </a:fld>
             <a:endParaRPr lang="zh-TW" altLang="en-US"/>
           </a:p>
@@ -8235,7 +8287,7 @@
           <a:p>
             <a:fld id="{D2750318-5FC8-4C13-9F2A-558D72B9C5CD}" type="datetime1">
               <a:rPr lang="zh-TW" altLang="en-US" smtClean="0"/>
-              <a:t>2017/7/18</a:t>
+              <a:t>2017/7/19</a:t>
             </a:fld>
             <a:endParaRPr lang="zh-TW" altLang="en-US"/>
           </a:p>
@@ -8488,7 +8540,7 @@
           <a:p>
             <a:fld id="{0E758968-8BB2-4DD1-A6CA-2F3ECF82673D}" type="datetime1">
               <a:rPr lang="zh-TW" altLang="en-US" smtClean="0"/>
-              <a:t>2017/7/18</a:t>
+              <a:t>2017/7/19</a:t>
             </a:fld>
             <a:endParaRPr lang="zh-TW" altLang="en-US"/>
           </a:p>
@@ -8701,7 +8753,7 @@
           <a:p>
             <a:fld id="{0FC3F2BA-ED10-4604-83B4-04F9BD8F95E9}" type="datetime1">
               <a:rPr lang="zh-TW" altLang="en-US" smtClean="0"/>
-              <a:t>2017/7/18</a:t>
+              <a:t>2017/7/19</a:t>
             </a:fld>
             <a:endParaRPr lang="zh-TW" altLang="en-US"/>
           </a:p>

--- a/Anomaly Detection and Event Alert System for IOT Integrated Management Platform.pptx
+++ b/Anomaly Detection and Event Alert System for IOT Integrated Management Platform.pptx
@@ -823,15 +823,7 @@
           <a:p>
             <a:r>
               <a:rPr lang="zh-TW" altLang="en-US" dirty="0" smtClean="0"/>
-              <a:t>集體異常表示有一小群</a:t>
-            </a:r>
-            <a:r>
-              <a:rPr lang="zh-TW" altLang="en-US" dirty="0" smtClean="0"/>
-              <a:t>資料偏離主要</a:t>
-            </a:r>
-            <a:r>
-              <a:rPr lang="zh-TW" altLang="en-US" dirty="0" smtClean="0"/>
-              <a:t>狀態</a:t>
+              <a:t>集體異常表示有一小群資料偏離主要狀態</a:t>
             </a:r>
             <a:endParaRPr lang="en-US" altLang="zh-TW" dirty="0" smtClean="0"/>
           </a:p>
@@ -933,15 +925,7 @@
           <a:p>
             <a:r>
               <a:rPr lang="zh-TW" altLang="en-US" dirty="0" smtClean="0"/>
-              <a:t>這邊用一個商業區用</a:t>
-            </a:r>
-            <a:r>
-              <a:rPr lang="zh-TW" altLang="en-US" dirty="0" smtClean="0"/>
-              <a:t>電量和時間</a:t>
-            </a:r>
-            <a:r>
-              <a:rPr lang="zh-TW" altLang="en-US" dirty="0" smtClean="0"/>
-              <a:t>的例子說明</a:t>
+              <a:t>這邊用一個商業區用電量和時間的例子說明</a:t>
             </a:r>
             <a:endParaRPr lang="en-US" altLang="zh-TW" dirty="0" smtClean="0"/>
           </a:p>
@@ -1275,15 +1259,7 @@
           <a:p>
             <a:r>
               <a:rPr lang="zh-TW" altLang="en-US" dirty="0" smtClean="0"/>
-              <a:t>使用分群</a:t>
-            </a:r>
-            <a:r>
-              <a:rPr lang="zh-TW" altLang="en-US" dirty="0" smtClean="0"/>
-              <a:t>演算法就可以找到</a:t>
-            </a:r>
-            <a:r>
-              <a:rPr lang="zh-TW" altLang="en-US" dirty="0" smtClean="0"/>
-              <a:t>資料的分布狀態</a:t>
+              <a:t>使用分群演算法就可以找到資料的分布狀態</a:t>
             </a:r>
             <a:endParaRPr lang="en-US" altLang="zh-TW" dirty="0" smtClean="0"/>
           </a:p>
@@ -3764,15 +3740,7 @@
           <a:p>
             <a:r>
               <a:rPr lang="zh-TW" altLang="en-US" dirty="0" smtClean="0"/>
-              <a:t>發現同樣的改變狀態</a:t>
-            </a:r>
-            <a:r>
-              <a:rPr lang="zh-TW" altLang="en-US" dirty="0" smtClean="0"/>
-              <a:t>異常回報的</a:t>
-            </a:r>
-            <a:r>
-              <a:rPr lang="zh-TW" altLang="en-US" dirty="0" smtClean="0"/>
-              <a:t>時間點都比一般常態分佈要晚一點</a:t>
+              <a:t>發現同樣的改變狀態異常回報的時間點都比一般常態分佈要晚一點</a:t>
             </a:r>
             <a:endParaRPr lang="en-US" altLang="zh-TW" dirty="0" smtClean="0"/>
           </a:p>
@@ -3803,15 +3771,7 @@
           <a:p>
             <a:r>
               <a:rPr lang="zh-TW" altLang="en-US" dirty="0" smtClean="0"/>
-              <a:t>而</a:t>
-            </a:r>
-            <a:r>
-              <a:rPr lang="zh-TW" altLang="en-US" dirty="0" smtClean="0"/>
-              <a:t>隨著事件</a:t>
-            </a:r>
-            <a:r>
-              <a:rPr lang="zh-TW" altLang="en-US" dirty="0" smtClean="0"/>
-              <a:t>資料取代的數值越來越多，多個特徵值都偏離原本狀態時</a:t>
+              <a:t>而隨著事件資料取代的數值越來越多，多個特徵值都偏離原本狀態時</a:t>
             </a:r>
             <a:endParaRPr lang="en-US" altLang="zh-TW" dirty="0" smtClean="0"/>
           </a:p>
@@ -5000,7 +4960,23 @@
           <a:p>
             <a:r>
               <a:rPr lang="zh-TW" altLang="en-US" dirty="0" smtClean="0"/>
-              <a:t>較大偏移的單點異常造成的異常結果維持時間筆較小偏移的單點異常多</a:t>
+              <a:t>大</a:t>
+            </a:r>
+            <a:r>
+              <a:rPr lang="zh-TW" altLang="en-US" dirty="0" smtClean="0"/>
+              <a:t>偏移的單點異常造成的異常結果維持</a:t>
+            </a:r>
+            <a:r>
+              <a:rPr lang="zh-TW" altLang="en-US" dirty="0" smtClean="0"/>
+              <a:t>時間比小</a:t>
+            </a:r>
+            <a:r>
+              <a:rPr lang="zh-TW" altLang="en-US" dirty="0" smtClean="0"/>
+              <a:t>偏移的單點</a:t>
+            </a:r>
+            <a:r>
+              <a:rPr lang="zh-TW" altLang="en-US" dirty="0" smtClean="0"/>
+              <a:t>異常久</a:t>
             </a:r>
             <a:endParaRPr lang="en-US" altLang="zh-TW" dirty="0" smtClean="0"/>
           </a:p>
@@ -6036,26 +6012,14 @@
           <a:p>
             <a:r>
               <a:rPr lang="zh-TW" altLang="en-US" dirty="0" smtClean="0"/>
-              <a:t>簡單來說異常就是</a:t>
-            </a:r>
+              <a:t>簡單來說異常就是資料集裡面還沒被清楚定義的資料特徵</a:t>
+            </a:r>
+            <a:endParaRPr lang="en-US" altLang="zh-TW" dirty="0" smtClean="0"/>
+          </a:p>
+          <a:p>
             <a:r>
               <a:rPr lang="zh-TW" altLang="en-US" dirty="0" smtClean="0"/>
-              <a:t>資料集裡面</a:t>
-            </a:r>
-            <a:r>
-              <a:rPr lang="zh-TW" altLang="en-US" dirty="0" smtClean="0"/>
-              <a:t>還沒被清楚定義的資料特徵</a:t>
-            </a:r>
-            <a:endParaRPr lang="en-US" altLang="zh-TW" dirty="0" smtClean="0"/>
-          </a:p>
-          <a:p>
-            <a:r>
-              <a:rPr lang="zh-TW" altLang="en-US" dirty="0" smtClean="0"/>
-              <a:t>也就是偏離歷史群集</a:t>
-            </a:r>
-            <a:r>
-              <a:rPr lang="zh-TW" altLang="en-US" dirty="0" smtClean="0"/>
-              <a:t>的資料</a:t>
+              <a:t>也就是偏離歷史群集的資料</a:t>
             </a:r>
             <a:endParaRPr lang="en-US" altLang="zh-TW" dirty="0" smtClean="0"/>
           </a:p>
@@ -25628,7 +25592,7 @@
         <p:spPr/>
         <p:txBody>
           <a:bodyPr>
-            <a:normAutofit fontScale="92500" lnSpcReduction="20000"/>
+            <a:normAutofit fontScale="85000" lnSpcReduction="20000"/>
           </a:bodyPr>
           <a:lstStyle/>
           <a:p>
@@ -25924,6 +25888,29 @@
               <a:rPr lang="en-US" altLang="zh-TW" dirty="0" smtClean="0"/>
               <a:t>8</a:t>
             </a:r>
+          </a:p>
+          <a:p>
+            <a:pPr lvl="1"/>
+            <a:r>
+              <a:rPr lang="en-US" altLang="zh-TW" dirty="0" smtClean="0"/>
+              <a:t>LOF</a:t>
+            </a:r>
+            <a:r>
+              <a:rPr lang="zh-TW" altLang="en-US" dirty="0" smtClean="0">
+                <a:latin typeface="標楷體" panose="03000509000000000000" pitchFamily="65" charset="-120"/>
+                <a:ea typeface="標楷體" panose="03000509000000000000" pitchFamily="65" charset="-120"/>
+              </a:rPr>
+              <a:t>異常分數門檻</a:t>
+            </a:r>
+            <a:r>
+              <a:rPr lang="en-US" altLang="zh-TW" dirty="0" smtClean="0">
+                <a:ea typeface="標楷體" panose="03000509000000000000" pitchFamily="65" charset="-120"/>
+              </a:rPr>
+              <a:t>2</a:t>
+            </a:r>
+            <a:endParaRPr lang="en-US" altLang="zh-TW" dirty="0" smtClean="0">
+              <a:ea typeface="標楷體" panose="03000509000000000000" pitchFamily="65" charset="-120"/>
+            </a:endParaRPr>
           </a:p>
         </p:txBody>
       </p:sp>
@@ -30258,7 +30245,29 @@
               </a:rPr>
               <a:t>3</a:t>
             </a:r>
-            <a:endParaRPr lang="en-US" altLang="zh-TW" dirty="0" smtClean="0"/>
+          </a:p>
+          <a:p>
+            <a:pPr lvl="1"/>
+            <a:r>
+              <a:rPr lang="en-US" altLang="zh-TW" dirty="0"/>
+              <a:t>LOF</a:t>
+            </a:r>
+            <a:r>
+              <a:rPr lang="zh-TW" altLang="en-US" dirty="0">
+                <a:latin typeface="標楷體" panose="03000509000000000000" pitchFamily="65" charset="-120"/>
+                <a:ea typeface="標楷體" panose="03000509000000000000" pitchFamily="65" charset="-120"/>
+              </a:rPr>
+              <a:t>異常分數門檻</a:t>
+            </a:r>
+            <a:r>
+              <a:rPr lang="en-US" altLang="zh-TW" dirty="0" smtClean="0">
+                <a:ea typeface="標楷體" panose="03000509000000000000" pitchFamily="65" charset="-120"/>
+              </a:rPr>
+              <a:t>2</a:t>
+            </a:r>
+            <a:endParaRPr lang="en-US" altLang="zh-TW" dirty="0">
+              <a:ea typeface="標楷體" panose="03000509000000000000" pitchFamily="65" charset="-120"/>
+            </a:endParaRPr>
           </a:p>
         </p:txBody>
       </p:sp>
@@ -31968,7 +31977,28 @@
                 <a:latin typeface="標楷體" panose="03000509000000000000" pitchFamily="65" charset="-120"/>
                 <a:ea typeface="標楷體" panose="03000509000000000000" pitchFamily="65" charset="-120"/>
               </a:rPr>
-              <a:t>演算法內的機制在回報異常後會清空累加的值，因此只要下一筆資料偏差不會直接造成累加超過門檻，就有機會將下一筆資料加入常態分佈中</a:t>
+              <a:t>演算法內的機制在回報異常後會清空累加的值，因此只要下一筆資料偏差不會直接造成累加超過門檻，就有</a:t>
+            </a:r>
+            <a:r>
+              <a:rPr lang="zh-TW" altLang="zh-TW">
+                <a:latin typeface="標楷體" panose="03000509000000000000" pitchFamily="65" charset="-120"/>
+                <a:ea typeface="標楷體" panose="03000509000000000000" pitchFamily="65" charset="-120"/>
+              </a:rPr>
+              <a:t>機會</a:t>
+            </a:r>
+            <a:r>
+              <a:rPr lang="zh-TW" altLang="zh-TW" smtClean="0">
+                <a:latin typeface="標楷體" panose="03000509000000000000" pitchFamily="65" charset="-120"/>
+                <a:ea typeface="標楷體" panose="03000509000000000000" pitchFamily="65" charset="-120"/>
+              </a:rPr>
+              <a:t>將資料</a:t>
+            </a:r>
+            <a:r>
+              <a:rPr lang="zh-TW" altLang="zh-TW" dirty="0">
+                <a:latin typeface="標楷體" panose="03000509000000000000" pitchFamily="65" charset="-120"/>
+                <a:ea typeface="標楷體" panose="03000509000000000000" pitchFamily="65" charset="-120"/>
+              </a:rPr>
+              <a:t>加入常態分佈中</a:t>
             </a:r>
             <a:r>
               <a:rPr lang="zh-TW" altLang="zh-TW" dirty="0" smtClean="0">

--- a/Anomaly Detection and Event Alert System for IOT Integrated Management Platform.pptx
+++ b/Anomaly Detection and Event Alert System for IOT Integrated Management Platform.pptx
@@ -4960,23 +4960,7 @@
           <a:p>
             <a:r>
               <a:rPr lang="zh-TW" altLang="en-US" dirty="0" smtClean="0"/>
-              <a:t>大</a:t>
-            </a:r>
-            <a:r>
-              <a:rPr lang="zh-TW" altLang="en-US" dirty="0" smtClean="0"/>
-              <a:t>偏移的單點異常造成的異常結果維持</a:t>
-            </a:r>
-            <a:r>
-              <a:rPr lang="zh-TW" altLang="en-US" dirty="0" smtClean="0"/>
-              <a:t>時間比小</a:t>
-            </a:r>
-            <a:r>
-              <a:rPr lang="zh-TW" altLang="en-US" dirty="0" smtClean="0"/>
-              <a:t>偏移的單點</a:t>
-            </a:r>
-            <a:r>
-              <a:rPr lang="zh-TW" altLang="en-US" dirty="0" smtClean="0"/>
-              <a:t>異常久</a:t>
+              <a:t>大偏移的單點異常造成的異常結果維持時間比小偏移的單點異常久</a:t>
             </a:r>
             <a:endParaRPr lang="en-US" altLang="zh-TW" dirty="0" smtClean="0"/>
           </a:p>
@@ -25908,9 +25892,6 @@
               </a:rPr>
               <a:t>2</a:t>
             </a:r>
-            <a:endParaRPr lang="en-US" altLang="zh-TW" dirty="0" smtClean="0">
-              <a:ea typeface="標楷體" panose="03000509000000000000" pitchFamily="65" charset="-120"/>
-            </a:endParaRPr>
           </a:p>
         </p:txBody>
       </p:sp>
@@ -32296,7 +32277,21 @@
                 <a:latin typeface="標楷體" panose="03000509000000000000" pitchFamily="65" charset="-120"/>
                 <a:ea typeface="標楷體" panose="03000509000000000000" pitchFamily="65" charset="-120"/>
               </a:rPr>
-              <a:t>應用能更接受小量的資料變動，那可以取大一點的</a:t>
+              <a:t>應用</a:t>
+            </a:r>
+            <a:r>
+              <a:rPr lang="zh-TW" altLang="zh-TW" dirty="0" smtClean="0">
+                <a:latin typeface="標楷體" panose="03000509000000000000" pitchFamily="65" charset="-120"/>
+                <a:ea typeface="標楷體" panose="03000509000000000000" pitchFamily="65" charset="-120"/>
+              </a:rPr>
+              <a:t>能接受</a:t>
+            </a:r>
+            <a:r>
+              <a:rPr lang="zh-TW" altLang="zh-TW" dirty="0">
+                <a:latin typeface="標楷體" panose="03000509000000000000" pitchFamily="65" charset="-120"/>
+                <a:ea typeface="標楷體" panose="03000509000000000000" pitchFamily="65" charset="-120"/>
+              </a:rPr>
+              <a:t>小量的資料變動，那可以取大一點的</a:t>
             </a:r>
             <a:r>
               <a:rPr lang="zh-TW" altLang="zh-TW" dirty="0" smtClean="0">
